--- a/CTPN 2.pptx
+++ b/CTPN 2.pptx
@@ -5,7 +5,7 @@
     <p:sldMasterId id="2147483648" r:id="rId1"/>
   </p:sldMasterIdLst>
   <p:notesMasterIdLst>
-    <p:notesMasterId r:id="rId11"/>
+    <p:notesMasterId r:id="rId14"/>
   </p:notesMasterIdLst>
   <p:sldIdLst>
     <p:sldId id="256" r:id="rId2"/>
@@ -14,9 +14,12 @@
     <p:sldId id="261" r:id="rId5"/>
     <p:sldId id="263" r:id="rId6"/>
     <p:sldId id="264" r:id="rId7"/>
-    <p:sldId id="265" r:id="rId8"/>
-    <p:sldId id="266" r:id="rId9"/>
-    <p:sldId id="262" r:id="rId10"/>
+    <p:sldId id="268" r:id="rId8"/>
+    <p:sldId id="265" r:id="rId9"/>
+    <p:sldId id="266" r:id="rId10"/>
+    <p:sldId id="262" r:id="rId11"/>
+    <p:sldId id="269" r:id="rId12"/>
+    <p:sldId id="270" r:id="rId13"/>
   </p:sldIdLst>
   <p:sldSz cx="12192000" cy="6858000"/>
   <p:notesSz cx="6858000" cy="9144000"/>
@@ -665,7 +668,7 @@
           <a:p>
             <a:fld id="{883A8C73-6B3D-4ED4-B5D9-C071496D5C84}" type="slidenum">
               <a:rPr lang="ko-KR" altLang="en-US" smtClean="0"/>
-              <a:t>7</a:t>
+              <a:t>8</a:t>
             </a:fld>
             <a:endParaRPr lang="ko-KR" altLang="en-US"/>
           </a:p>
@@ -827,7 +830,7 @@
           <a:p>
             <a:fld id="{883A8C73-6B3D-4ED4-B5D9-C071496D5C84}" type="slidenum">
               <a:rPr lang="ko-KR" altLang="en-US" smtClean="0"/>
-              <a:t>8</a:t>
+              <a:t>9</a:t>
             </a:fld>
             <a:endParaRPr lang="ko-KR" altLang="en-US"/>
           </a:p>
@@ -1775,7 +1778,7 @@
           <a:p>
             <a:fld id="{883A8C73-6B3D-4ED4-B5D9-C071496D5C84}" type="slidenum">
               <a:rPr lang="ko-KR" altLang="en-US" smtClean="0"/>
-              <a:t>9</a:t>
+              <a:t>10</a:t>
             </a:fld>
             <a:endParaRPr lang="ko-KR" altLang="en-US"/>
           </a:p>
@@ -1785,6 +1788,174 @@
     <p:extLst>
       <p:ext uri="{BB962C8B-B14F-4D97-AF65-F5344CB8AC3E}">
         <p14:creationId xmlns:p14="http://schemas.microsoft.com/office/powerpoint/2010/main" val="1357349815"/>
+      </p:ext>
+    </p:extLst>
+  </p:cSld>
+  <p:clrMapOvr>
+    <a:masterClrMapping/>
+  </p:clrMapOvr>
+</p:notes>
+</file>
+
+<file path=ppt/notesSlides/notesSlide4.xml><?xml version="1.0" encoding="utf-8"?>
+<p:notes xmlns:a="http://schemas.openxmlformats.org/drawingml/2006/main" xmlns:r="http://schemas.openxmlformats.org/officeDocument/2006/relationships" xmlns:p="http://schemas.openxmlformats.org/presentationml/2006/main">
+  <p:cSld>
+    <p:spTree>
+      <p:nvGrpSpPr>
+        <p:cNvPr id="1" name=""/>
+        <p:cNvGrpSpPr/>
+        <p:nvPr/>
+      </p:nvGrpSpPr>
+      <p:grpSpPr>
+        <a:xfrm>
+          <a:off x="0" y="0"/>
+          <a:ext cx="0" cy="0"/>
+          <a:chOff x="0" y="0"/>
+          <a:chExt cx="0" cy="0"/>
+        </a:xfrm>
+      </p:grpSpPr>
+      <p:sp>
+        <p:nvSpPr>
+          <p:cNvPr id="2" name="슬라이드 이미지 개체 틀 1"/>
+          <p:cNvSpPr>
+            <a:spLocks noGrp="1" noRot="1" noChangeAspect="1"/>
+          </p:cNvSpPr>
+          <p:nvPr>
+            <p:ph type="sldImg"/>
+          </p:nvPr>
+        </p:nvSpPr>
+        <p:spPr/>
+      </p:sp>
+      <p:sp>
+        <p:nvSpPr>
+          <p:cNvPr id="3" name="슬라이드 노트 개체 틀 2"/>
+          <p:cNvSpPr>
+            <a:spLocks noGrp="1"/>
+          </p:cNvSpPr>
+          <p:nvPr>
+            <p:ph type="body" idx="1"/>
+          </p:nvPr>
+        </p:nvSpPr>
+        <p:spPr/>
+        <p:txBody>
+          <a:bodyPr/>
+          <a:lstStyle/>
+          <a:p>
+            <a:endParaRPr lang="ko-KR" altLang="en-US" dirty="0"/>
+          </a:p>
+        </p:txBody>
+      </p:sp>
+      <p:sp>
+        <p:nvSpPr>
+          <p:cNvPr id="4" name="슬라이드 번호 개체 틀 3"/>
+          <p:cNvSpPr>
+            <a:spLocks noGrp="1"/>
+          </p:cNvSpPr>
+          <p:nvPr>
+            <p:ph type="sldNum" sz="quarter" idx="10"/>
+          </p:nvPr>
+        </p:nvSpPr>
+        <p:spPr/>
+        <p:txBody>
+          <a:bodyPr/>
+          <a:lstStyle/>
+          <a:p>
+            <a:fld id="{883A8C73-6B3D-4ED4-B5D9-C071496D5C84}" type="slidenum">
+              <a:rPr lang="ko-KR" altLang="en-US" smtClean="0"/>
+              <a:t>11</a:t>
+            </a:fld>
+            <a:endParaRPr lang="ko-KR" altLang="en-US"/>
+          </a:p>
+        </p:txBody>
+      </p:sp>
+    </p:spTree>
+    <p:extLst>
+      <p:ext uri="{BB962C8B-B14F-4D97-AF65-F5344CB8AC3E}">
+        <p14:creationId xmlns:p14="http://schemas.microsoft.com/office/powerpoint/2010/main" val="3048998576"/>
+      </p:ext>
+    </p:extLst>
+  </p:cSld>
+  <p:clrMapOvr>
+    <a:masterClrMapping/>
+  </p:clrMapOvr>
+</p:notes>
+</file>
+
+<file path=ppt/notesSlides/notesSlide5.xml><?xml version="1.0" encoding="utf-8"?>
+<p:notes xmlns:a="http://schemas.openxmlformats.org/drawingml/2006/main" xmlns:r="http://schemas.openxmlformats.org/officeDocument/2006/relationships" xmlns:p="http://schemas.openxmlformats.org/presentationml/2006/main">
+  <p:cSld>
+    <p:spTree>
+      <p:nvGrpSpPr>
+        <p:cNvPr id="1" name=""/>
+        <p:cNvGrpSpPr/>
+        <p:nvPr/>
+      </p:nvGrpSpPr>
+      <p:grpSpPr>
+        <a:xfrm>
+          <a:off x="0" y="0"/>
+          <a:ext cx="0" cy="0"/>
+          <a:chOff x="0" y="0"/>
+          <a:chExt cx="0" cy="0"/>
+        </a:xfrm>
+      </p:grpSpPr>
+      <p:sp>
+        <p:nvSpPr>
+          <p:cNvPr id="2" name="슬라이드 이미지 개체 틀 1"/>
+          <p:cNvSpPr>
+            <a:spLocks noGrp="1" noRot="1" noChangeAspect="1"/>
+          </p:cNvSpPr>
+          <p:nvPr>
+            <p:ph type="sldImg"/>
+          </p:nvPr>
+        </p:nvSpPr>
+        <p:spPr/>
+      </p:sp>
+      <p:sp>
+        <p:nvSpPr>
+          <p:cNvPr id="3" name="슬라이드 노트 개체 틀 2"/>
+          <p:cNvSpPr>
+            <a:spLocks noGrp="1"/>
+          </p:cNvSpPr>
+          <p:nvPr>
+            <p:ph type="body" idx="1"/>
+          </p:nvPr>
+        </p:nvSpPr>
+        <p:spPr/>
+        <p:txBody>
+          <a:bodyPr/>
+          <a:lstStyle/>
+          <a:p>
+            <a:endParaRPr lang="ko-KR" altLang="en-US" dirty="0"/>
+          </a:p>
+        </p:txBody>
+      </p:sp>
+      <p:sp>
+        <p:nvSpPr>
+          <p:cNvPr id="4" name="슬라이드 번호 개체 틀 3"/>
+          <p:cNvSpPr>
+            <a:spLocks noGrp="1"/>
+          </p:cNvSpPr>
+          <p:nvPr>
+            <p:ph type="sldNum" sz="quarter" idx="10"/>
+          </p:nvPr>
+        </p:nvSpPr>
+        <p:spPr/>
+        <p:txBody>
+          <a:bodyPr/>
+          <a:lstStyle/>
+          <a:p>
+            <a:fld id="{883A8C73-6B3D-4ED4-B5D9-C071496D5C84}" type="slidenum">
+              <a:rPr lang="ko-KR" altLang="en-US" smtClean="0"/>
+              <a:t>12</a:t>
+            </a:fld>
+            <a:endParaRPr lang="ko-KR" altLang="en-US"/>
+          </a:p>
+        </p:txBody>
+      </p:sp>
+    </p:spTree>
+    <p:extLst>
+      <p:ext uri="{BB962C8B-B14F-4D97-AF65-F5344CB8AC3E}">
+        <p14:creationId xmlns:p14="http://schemas.microsoft.com/office/powerpoint/2010/main" val="879153543"/>
       </p:ext>
     </p:extLst>
   </p:cSld>
@@ -4706,6 +4877,2215 @@
 </p:sld>
 </file>
 
+<file path=ppt/slides/slide10.xml><?xml version="1.0" encoding="utf-8"?>
+<p:sld xmlns:a="http://schemas.openxmlformats.org/drawingml/2006/main" xmlns:r="http://schemas.openxmlformats.org/officeDocument/2006/relationships" xmlns:p="http://schemas.openxmlformats.org/presentationml/2006/main">
+  <p:cSld>
+    <p:spTree>
+      <p:nvGrpSpPr>
+        <p:cNvPr id="1" name=""/>
+        <p:cNvGrpSpPr/>
+        <p:nvPr/>
+      </p:nvGrpSpPr>
+      <p:grpSpPr>
+        <a:xfrm>
+          <a:off x="0" y="0"/>
+          <a:ext cx="0" cy="0"/>
+          <a:chOff x="0" y="0"/>
+          <a:chExt cx="0" cy="0"/>
+        </a:xfrm>
+      </p:grpSpPr>
+      <p:sp>
+        <p:nvSpPr>
+          <p:cNvPr id="2" name="제목 1"/>
+          <p:cNvSpPr>
+            <a:spLocks noGrp="1"/>
+          </p:cNvSpPr>
+          <p:nvPr>
+            <p:ph type="title"/>
+          </p:nvPr>
+        </p:nvSpPr>
+        <p:spPr/>
+        <p:txBody>
+          <a:bodyPr/>
+          <a:lstStyle/>
+          <a:p>
+            <a:r>
+              <a:rPr lang="en-US" altLang="ko-KR"/>
+              <a:t>Detecting Text in Fine-scale Proposals</a:t>
+            </a:r>
+            <a:endParaRPr lang="ko-KR" altLang="en-US" dirty="0"/>
+          </a:p>
+        </p:txBody>
+      </p:sp>
+      <p:pic>
+        <p:nvPicPr>
+          <p:cNvPr id="8" name="내용 개체 틀 7"/>
+          <p:cNvPicPr>
+            <a:picLocks noGrp="1" noChangeAspect="1"/>
+          </p:cNvPicPr>
+          <p:nvPr>
+            <p:ph idx="1"/>
+          </p:nvPr>
+        </p:nvPicPr>
+        <p:blipFill>
+          <a:blip r:embed="rId3">
+            <a:extLst>
+              <a:ext uri="{28A0092B-C50C-407E-A947-70E740481C1C}">
+                <a14:useLocalDpi xmlns:a14="http://schemas.microsoft.com/office/drawing/2010/main" val="0"/>
+              </a:ext>
+            </a:extLst>
+          </a:blip>
+          <a:stretch>
+            <a:fillRect/>
+          </a:stretch>
+        </p:blipFill>
+        <p:spPr>
+          <a:xfrm>
+            <a:off x="2851581" y="1825625"/>
+            <a:ext cx="6361245" cy="4351338"/>
+          </a:xfrm>
+          <a:ln w="38100">
+            <a:solidFill>
+              <a:schemeClr val="tx1"/>
+            </a:solidFill>
+          </a:ln>
+        </p:spPr>
+      </p:pic>
+      <p:grpSp>
+        <p:nvGrpSpPr>
+          <p:cNvPr id="50" name="그룹 49"/>
+          <p:cNvGrpSpPr/>
+          <p:nvPr/>
+        </p:nvGrpSpPr>
+        <p:grpSpPr>
+          <a:xfrm>
+            <a:off x="2851581" y="1825625"/>
+            <a:ext cx="6361245" cy="4351338"/>
+            <a:chOff x="2851581" y="1825625"/>
+            <a:chExt cx="6361245" cy="4351338"/>
+          </a:xfrm>
+        </p:grpSpPr>
+        <p:cxnSp>
+          <p:nvCxnSpPr>
+            <p:cNvPr id="12" name="직선 연결선 11"/>
+            <p:cNvCxnSpPr/>
+            <p:nvPr/>
+          </p:nvCxnSpPr>
+          <p:spPr>
+            <a:xfrm>
+              <a:off x="3303639" y="1825625"/>
+              <a:ext cx="0" cy="4351338"/>
+            </a:xfrm>
+            <a:prstGeom prst="line">
+              <a:avLst/>
+            </a:prstGeom>
+            <a:ln w="19050"/>
+          </p:spPr>
+          <p:style>
+            <a:lnRef idx="1">
+              <a:schemeClr val="dk1"/>
+            </a:lnRef>
+            <a:fillRef idx="0">
+              <a:schemeClr val="dk1"/>
+            </a:fillRef>
+            <a:effectRef idx="0">
+              <a:schemeClr val="dk1"/>
+            </a:effectRef>
+            <a:fontRef idx="minor">
+              <a:schemeClr val="tx1"/>
+            </a:fontRef>
+          </p:style>
+        </p:cxnSp>
+        <p:cxnSp>
+          <p:nvCxnSpPr>
+            <p:cNvPr id="19" name="직선 연결선 18"/>
+            <p:cNvCxnSpPr/>
+            <p:nvPr/>
+          </p:nvCxnSpPr>
+          <p:spPr>
+            <a:xfrm>
+              <a:off x="3072580" y="1825625"/>
+              <a:ext cx="0" cy="4351338"/>
+            </a:xfrm>
+            <a:prstGeom prst="line">
+              <a:avLst/>
+            </a:prstGeom>
+            <a:ln w="19050"/>
+          </p:spPr>
+          <p:style>
+            <a:lnRef idx="1">
+              <a:schemeClr val="dk1"/>
+            </a:lnRef>
+            <a:fillRef idx="0">
+              <a:schemeClr val="dk1"/>
+            </a:fillRef>
+            <a:effectRef idx="0">
+              <a:schemeClr val="dk1"/>
+            </a:effectRef>
+            <a:fontRef idx="minor">
+              <a:schemeClr val="tx1"/>
+            </a:fontRef>
+          </p:style>
+        </p:cxnSp>
+        <p:cxnSp>
+          <p:nvCxnSpPr>
+            <p:cNvPr id="20" name="직선 연결선 19"/>
+            <p:cNvCxnSpPr/>
+            <p:nvPr/>
+          </p:nvCxnSpPr>
+          <p:spPr>
+            <a:xfrm>
+              <a:off x="2851581" y="1825625"/>
+              <a:ext cx="0" cy="4351338"/>
+            </a:xfrm>
+            <a:prstGeom prst="line">
+              <a:avLst/>
+            </a:prstGeom>
+            <a:ln w="19050"/>
+          </p:spPr>
+          <p:style>
+            <a:lnRef idx="1">
+              <a:schemeClr val="dk1"/>
+            </a:lnRef>
+            <a:fillRef idx="0">
+              <a:schemeClr val="dk1"/>
+            </a:fillRef>
+            <a:effectRef idx="0">
+              <a:schemeClr val="dk1"/>
+            </a:effectRef>
+            <a:fontRef idx="minor">
+              <a:schemeClr val="tx1"/>
+            </a:fontRef>
+          </p:style>
+        </p:cxnSp>
+        <p:cxnSp>
+          <p:nvCxnSpPr>
+            <p:cNvPr id="21" name="직선 연결선 20"/>
+            <p:cNvCxnSpPr/>
+            <p:nvPr/>
+          </p:nvCxnSpPr>
+          <p:spPr>
+            <a:xfrm>
+              <a:off x="3554362" y="1825625"/>
+              <a:ext cx="0" cy="4351338"/>
+            </a:xfrm>
+            <a:prstGeom prst="line">
+              <a:avLst/>
+            </a:prstGeom>
+            <a:ln w="19050"/>
+          </p:spPr>
+          <p:style>
+            <a:lnRef idx="1">
+              <a:schemeClr val="dk1"/>
+            </a:lnRef>
+            <a:fillRef idx="0">
+              <a:schemeClr val="dk1"/>
+            </a:fillRef>
+            <a:effectRef idx="0">
+              <a:schemeClr val="dk1"/>
+            </a:effectRef>
+            <a:fontRef idx="minor">
+              <a:schemeClr val="tx1"/>
+            </a:fontRef>
+          </p:style>
+        </p:cxnSp>
+        <p:cxnSp>
+          <p:nvCxnSpPr>
+            <p:cNvPr id="22" name="직선 연결선 21"/>
+            <p:cNvCxnSpPr/>
+            <p:nvPr/>
+          </p:nvCxnSpPr>
+          <p:spPr>
+            <a:xfrm>
+              <a:off x="4242620" y="1825625"/>
+              <a:ext cx="0" cy="4351338"/>
+            </a:xfrm>
+            <a:prstGeom prst="line">
+              <a:avLst/>
+            </a:prstGeom>
+            <a:ln w="19050"/>
+          </p:spPr>
+          <p:style>
+            <a:lnRef idx="1">
+              <a:schemeClr val="dk1"/>
+            </a:lnRef>
+            <a:fillRef idx="0">
+              <a:schemeClr val="dk1"/>
+            </a:fillRef>
+            <a:effectRef idx="0">
+              <a:schemeClr val="dk1"/>
+            </a:effectRef>
+            <a:fontRef idx="minor">
+              <a:schemeClr val="tx1"/>
+            </a:fontRef>
+          </p:style>
+        </p:cxnSp>
+        <p:cxnSp>
+          <p:nvCxnSpPr>
+            <p:cNvPr id="23" name="직선 연결선 22"/>
+            <p:cNvCxnSpPr/>
+            <p:nvPr/>
+          </p:nvCxnSpPr>
+          <p:spPr>
+            <a:xfrm>
+              <a:off x="4011561" y="1825625"/>
+              <a:ext cx="0" cy="4351338"/>
+            </a:xfrm>
+            <a:prstGeom prst="line">
+              <a:avLst/>
+            </a:prstGeom>
+            <a:ln w="19050"/>
+          </p:spPr>
+          <p:style>
+            <a:lnRef idx="1">
+              <a:schemeClr val="dk1"/>
+            </a:lnRef>
+            <a:fillRef idx="0">
+              <a:schemeClr val="dk1"/>
+            </a:fillRef>
+            <a:effectRef idx="0">
+              <a:schemeClr val="dk1"/>
+            </a:effectRef>
+            <a:fontRef idx="minor">
+              <a:schemeClr val="tx1"/>
+            </a:fontRef>
+          </p:style>
+        </p:cxnSp>
+        <p:cxnSp>
+          <p:nvCxnSpPr>
+            <p:cNvPr id="24" name="직선 연결선 23"/>
+            <p:cNvCxnSpPr/>
+            <p:nvPr/>
+          </p:nvCxnSpPr>
+          <p:spPr>
+            <a:xfrm>
+              <a:off x="3790562" y="1825625"/>
+              <a:ext cx="0" cy="4351338"/>
+            </a:xfrm>
+            <a:prstGeom prst="line">
+              <a:avLst/>
+            </a:prstGeom>
+            <a:ln w="19050"/>
+          </p:spPr>
+          <p:style>
+            <a:lnRef idx="1">
+              <a:schemeClr val="dk1"/>
+            </a:lnRef>
+            <a:fillRef idx="0">
+              <a:schemeClr val="dk1"/>
+            </a:fillRef>
+            <a:effectRef idx="0">
+              <a:schemeClr val="dk1"/>
+            </a:effectRef>
+            <a:fontRef idx="minor">
+              <a:schemeClr val="tx1"/>
+            </a:fontRef>
+          </p:style>
+        </p:cxnSp>
+        <p:cxnSp>
+          <p:nvCxnSpPr>
+            <p:cNvPr id="25" name="직선 연결선 24"/>
+            <p:cNvCxnSpPr/>
+            <p:nvPr/>
+          </p:nvCxnSpPr>
+          <p:spPr>
+            <a:xfrm>
+              <a:off x="4493343" y="1825625"/>
+              <a:ext cx="0" cy="4351338"/>
+            </a:xfrm>
+            <a:prstGeom prst="line">
+              <a:avLst/>
+            </a:prstGeom>
+            <a:ln w="19050"/>
+          </p:spPr>
+          <p:style>
+            <a:lnRef idx="1">
+              <a:schemeClr val="dk1"/>
+            </a:lnRef>
+            <a:fillRef idx="0">
+              <a:schemeClr val="dk1"/>
+            </a:fillRef>
+            <a:effectRef idx="0">
+              <a:schemeClr val="dk1"/>
+            </a:effectRef>
+            <a:fontRef idx="minor">
+              <a:schemeClr val="tx1"/>
+            </a:fontRef>
+          </p:style>
+        </p:cxnSp>
+        <p:cxnSp>
+          <p:nvCxnSpPr>
+            <p:cNvPr id="26" name="직선 연결선 25"/>
+            <p:cNvCxnSpPr/>
+            <p:nvPr/>
+          </p:nvCxnSpPr>
+          <p:spPr>
+            <a:xfrm>
+              <a:off x="5157020" y="1825625"/>
+              <a:ext cx="0" cy="4351338"/>
+            </a:xfrm>
+            <a:prstGeom prst="line">
+              <a:avLst/>
+            </a:prstGeom>
+            <a:ln w="19050"/>
+          </p:spPr>
+          <p:style>
+            <a:lnRef idx="1">
+              <a:schemeClr val="dk1"/>
+            </a:lnRef>
+            <a:fillRef idx="0">
+              <a:schemeClr val="dk1"/>
+            </a:fillRef>
+            <a:effectRef idx="0">
+              <a:schemeClr val="dk1"/>
+            </a:effectRef>
+            <a:fontRef idx="minor">
+              <a:schemeClr val="tx1"/>
+            </a:fontRef>
+          </p:style>
+        </p:cxnSp>
+        <p:cxnSp>
+          <p:nvCxnSpPr>
+            <p:cNvPr id="27" name="직선 연결선 26"/>
+            <p:cNvCxnSpPr/>
+            <p:nvPr/>
+          </p:nvCxnSpPr>
+          <p:spPr>
+            <a:xfrm>
+              <a:off x="4925961" y="1825625"/>
+              <a:ext cx="0" cy="4351338"/>
+            </a:xfrm>
+            <a:prstGeom prst="line">
+              <a:avLst/>
+            </a:prstGeom>
+            <a:ln w="19050"/>
+          </p:spPr>
+          <p:style>
+            <a:lnRef idx="1">
+              <a:schemeClr val="dk1"/>
+            </a:lnRef>
+            <a:fillRef idx="0">
+              <a:schemeClr val="dk1"/>
+            </a:fillRef>
+            <a:effectRef idx="0">
+              <a:schemeClr val="dk1"/>
+            </a:effectRef>
+            <a:fontRef idx="minor">
+              <a:schemeClr val="tx1"/>
+            </a:fontRef>
+          </p:style>
+        </p:cxnSp>
+        <p:cxnSp>
+          <p:nvCxnSpPr>
+            <p:cNvPr id="28" name="직선 연결선 27"/>
+            <p:cNvCxnSpPr/>
+            <p:nvPr/>
+          </p:nvCxnSpPr>
+          <p:spPr>
+            <a:xfrm>
+              <a:off x="4704962" y="1825625"/>
+              <a:ext cx="0" cy="4351338"/>
+            </a:xfrm>
+            <a:prstGeom prst="line">
+              <a:avLst/>
+            </a:prstGeom>
+            <a:ln w="19050"/>
+          </p:spPr>
+          <p:style>
+            <a:lnRef idx="1">
+              <a:schemeClr val="dk1"/>
+            </a:lnRef>
+            <a:fillRef idx="0">
+              <a:schemeClr val="dk1"/>
+            </a:fillRef>
+            <a:effectRef idx="0">
+              <a:schemeClr val="dk1"/>
+            </a:effectRef>
+            <a:fontRef idx="minor">
+              <a:schemeClr val="tx1"/>
+            </a:fontRef>
+          </p:style>
+        </p:cxnSp>
+        <p:cxnSp>
+          <p:nvCxnSpPr>
+            <p:cNvPr id="29" name="직선 연결선 28"/>
+            <p:cNvCxnSpPr/>
+            <p:nvPr/>
+          </p:nvCxnSpPr>
+          <p:spPr>
+            <a:xfrm>
+              <a:off x="5407743" y="1825625"/>
+              <a:ext cx="0" cy="4351338"/>
+            </a:xfrm>
+            <a:prstGeom prst="line">
+              <a:avLst/>
+            </a:prstGeom>
+            <a:ln w="19050"/>
+          </p:spPr>
+          <p:style>
+            <a:lnRef idx="1">
+              <a:schemeClr val="dk1"/>
+            </a:lnRef>
+            <a:fillRef idx="0">
+              <a:schemeClr val="dk1"/>
+            </a:fillRef>
+            <a:effectRef idx="0">
+              <a:schemeClr val="dk1"/>
+            </a:effectRef>
+            <a:fontRef idx="minor">
+              <a:schemeClr val="tx1"/>
+            </a:fontRef>
+          </p:style>
+        </p:cxnSp>
+        <p:cxnSp>
+          <p:nvCxnSpPr>
+            <p:cNvPr id="30" name="직선 연결선 29"/>
+            <p:cNvCxnSpPr/>
+            <p:nvPr/>
+          </p:nvCxnSpPr>
+          <p:spPr>
+            <a:xfrm>
+              <a:off x="6096001" y="1825625"/>
+              <a:ext cx="0" cy="4351338"/>
+            </a:xfrm>
+            <a:prstGeom prst="line">
+              <a:avLst/>
+            </a:prstGeom>
+            <a:ln w="19050"/>
+          </p:spPr>
+          <p:style>
+            <a:lnRef idx="1">
+              <a:schemeClr val="dk1"/>
+            </a:lnRef>
+            <a:fillRef idx="0">
+              <a:schemeClr val="dk1"/>
+            </a:fillRef>
+            <a:effectRef idx="0">
+              <a:schemeClr val="dk1"/>
+            </a:effectRef>
+            <a:fontRef idx="minor">
+              <a:schemeClr val="tx1"/>
+            </a:fontRef>
+          </p:style>
+        </p:cxnSp>
+        <p:cxnSp>
+          <p:nvCxnSpPr>
+            <p:cNvPr id="31" name="직선 연결선 30"/>
+            <p:cNvCxnSpPr/>
+            <p:nvPr/>
+          </p:nvCxnSpPr>
+          <p:spPr>
+            <a:xfrm>
+              <a:off x="5864942" y="1825625"/>
+              <a:ext cx="0" cy="4351338"/>
+            </a:xfrm>
+            <a:prstGeom prst="line">
+              <a:avLst/>
+            </a:prstGeom>
+            <a:ln w="19050"/>
+          </p:spPr>
+          <p:style>
+            <a:lnRef idx="1">
+              <a:schemeClr val="dk1"/>
+            </a:lnRef>
+            <a:fillRef idx="0">
+              <a:schemeClr val="dk1"/>
+            </a:fillRef>
+            <a:effectRef idx="0">
+              <a:schemeClr val="dk1"/>
+            </a:effectRef>
+            <a:fontRef idx="minor">
+              <a:schemeClr val="tx1"/>
+            </a:fontRef>
+          </p:style>
+        </p:cxnSp>
+        <p:cxnSp>
+          <p:nvCxnSpPr>
+            <p:cNvPr id="32" name="직선 연결선 31"/>
+            <p:cNvCxnSpPr/>
+            <p:nvPr/>
+          </p:nvCxnSpPr>
+          <p:spPr>
+            <a:xfrm>
+              <a:off x="5643943" y="1825625"/>
+              <a:ext cx="0" cy="4351338"/>
+            </a:xfrm>
+            <a:prstGeom prst="line">
+              <a:avLst/>
+            </a:prstGeom>
+            <a:ln w="19050"/>
+          </p:spPr>
+          <p:style>
+            <a:lnRef idx="1">
+              <a:schemeClr val="dk1"/>
+            </a:lnRef>
+            <a:fillRef idx="0">
+              <a:schemeClr val="dk1"/>
+            </a:fillRef>
+            <a:effectRef idx="0">
+              <a:schemeClr val="dk1"/>
+            </a:effectRef>
+            <a:fontRef idx="minor">
+              <a:schemeClr val="tx1"/>
+            </a:fontRef>
+          </p:style>
+        </p:cxnSp>
+        <p:cxnSp>
+          <p:nvCxnSpPr>
+            <p:cNvPr id="33" name="직선 연결선 32"/>
+            <p:cNvCxnSpPr/>
+            <p:nvPr/>
+          </p:nvCxnSpPr>
+          <p:spPr>
+            <a:xfrm>
+              <a:off x="6346724" y="1825625"/>
+              <a:ext cx="0" cy="4351338"/>
+            </a:xfrm>
+            <a:prstGeom prst="line">
+              <a:avLst/>
+            </a:prstGeom>
+            <a:ln w="19050"/>
+          </p:spPr>
+          <p:style>
+            <a:lnRef idx="1">
+              <a:schemeClr val="dk1"/>
+            </a:lnRef>
+            <a:fillRef idx="0">
+              <a:schemeClr val="dk1"/>
+            </a:fillRef>
+            <a:effectRef idx="0">
+              <a:schemeClr val="dk1"/>
+            </a:effectRef>
+            <a:fontRef idx="minor">
+              <a:schemeClr val="tx1"/>
+            </a:fontRef>
+          </p:style>
+        </p:cxnSp>
+        <p:cxnSp>
+          <p:nvCxnSpPr>
+            <p:cNvPr id="34" name="직선 연결선 33"/>
+            <p:cNvCxnSpPr/>
+            <p:nvPr/>
+          </p:nvCxnSpPr>
+          <p:spPr>
+            <a:xfrm>
+              <a:off x="7054646" y="1825625"/>
+              <a:ext cx="0" cy="4351338"/>
+            </a:xfrm>
+            <a:prstGeom prst="line">
+              <a:avLst/>
+            </a:prstGeom>
+            <a:ln w="19050"/>
+          </p:spPr>
+          <p:style>
+            <a:lnRef idx="1">
+              <a:schemeClr val="dk1"/>
+            </a:lnRef>
+            <a:fillRef idx="0">
+              <a:schemeClr val="dk1"/>
+            </a:fillRef>
+            <a:effectRef idx="0">
+              <a:schemeClr val="dk1"/>
+            </a:effectRef>
+            <a:fontRef idx="minor">
+              <a:schemeClr val="tx1"/>
+            </a:fontRef>
+          </p:style>
+        </p:cxnSp>
+        <p:cxnSp>
+          <p:nvCxnSpPr>
+            <p:cNvPr id="35" name="직선 연결선 34"/>
+            <p:cNvCxnSpPr/>
+            <p:nvPr/>
+          </p:nvCxnSpPr>
+          <p:spPr>
+            <a:xfrm>
+              <a:off x="6823587" y="1825625"/>
+              <a:ext cx="0" cy="4351338"/>
+            </a:xfrm>
+            <a:prstGeom prst="line">
+              <a:avLst/>
+            </a:prstGeom>
+            <a:ln w="19050"/>
+          </p:spPr>
+          <p:style>
+            <a:lnRef idx="1">
+              <a:schemeClr val="dk1"/>
+            </a:lnRef>
+            <a:fillRef idx="0">
+              <a:schemeClr val="dk1"/>
+            </a:fillRef>
+            <a:effectRef idx="0">
+              <a:schemeClr val="dk1"/>
+            </a:effectRef>
+            <a:fontRef idx="minor">
+              <a:schemeClr val="tx1"/>
+            </a:fontRef>
+          </p:style>
+        </p:cxnSp>
+        <p:cxnSp>
+          <p:nvCxnSpPr>
+            <p:cNvPr id="36" name="직선 연결선 35"/>
+            <p:cNvCxnSpPr/>
+            <p:nvPr/>
+          </p:nvCxnSpPr>
+          <p:spPr>
+            <a:xfrm>
+              <a:off x="6602588" y="1825625"/>
+              <a:ext cx="0" cy="4351338"/>
+            </a:xfrm>
+            <a:prstGeom prst="line">
+              <a:avLst/>
+            </a:prstGeom>
+            <a:ln w="19050"/>
+          </p:spPr>
+          <p:style>
+            <a:lnRef idx="1">
+              <a:schemeClr val="dk1"/>
+            </a:lnRef>
+            <a:fillRef idx="0">
+              <a:schemeClr val="dk1"/>
+            </a:fillRef>
+            <a:effectRef idx="0">
+              <a:schemeClr val="dk1"/>
+            </a:effectRef>
+            <a:fontRef idx="minor">
+              <a:schemeClr val="tx1"/>
+            </a:fontRef>
+          </p:style>
+        </p:cxnSp>
+        <p:cxnSp>
+          <p:nvCxnSpPr>
+            <p:cNvPr id="37" name="직선 연결선 36"/>
+            <p:cNvCxnSpPr/>
+            <p:nvPr/>
+          </p:nvCxnSpPr>
+          <p:spPr>
+            <a:xfrm>
+              <a:off x="7305369" y="1825625"/>
+              <a:ext cx="0" cy="4351338"/>
+            </a:xfrm>
+            <a:prstGeom prst="line">
+              <a:avLst/>
+            </a:prstGeom>
+            <a:ln w="19050"/>
+          </p:spPr>
+          <p:style>
+            <a:lnRef idx="1">
+              <a:schemeClr val="dk1"/>
+            </a:lnRef>
+            <a:fillRef idx="0">
+              <a:schemeClr val="dk1"/>
+            </a:fillRef>
+            <a:effectRef idx="0">
+              <a:schemeClr val="dk1"/>
+            </a:effectRef>
+            <a:fontRef idx="minor">
+              <a:schemeClr val="tx1"/>
+            </a:fontRef>
+          </p:style>
+        </p:cxnSp>
+        <p:cxnSp>
+          <p:nvCxnSpPr>
+            <p:cNvPr id="38" name="직선 연결선 37"/>
+            <p:cNvCxnSpPr/>
+            <p:nvPr/>
+          </p:nvCxnSpPr>
+          <p:spPr>
+            <a:xfrm>
+              <a:off x="7993627" y="1825625"/>
+              <a:ext cx="0" cy="4351338"/>
+            </a:xfrm>
+            <a:prstGeom prst="line">
+              <a:avLst/>
+            </a:prstGeom>
+            <a:ln w="19050"/>
+          </p:spPr>
+          <p:style>
+            <a:lnRef idx="1">
+              <a:schemeClr val="dk1"/>
+            </a:lnRef>
+            <a:fillRef idx="0">
+              <a:schemeClr val="dk1"/>
+            </a:fillRef>
+            <a:effectRef idx="0">
+              <a:schemeClr val="dk1"/>
+            </a:effectRef>
+            <a:fontRef idx="minor">
+              <a:schemeClr val="tx1"/>
+            </a:fontRef>
+          </p:style>
+        </p:cxnSp>
+        <p:cxnSp>
+          <p:nvCxnSpPr>
+            <p:cNvPr id="39" name="직선 연결선 38"/>
+            <p:cNvCxnSpPr/>
+            <p:nvPr/>
+          </p:nvCxnSpPr>
+          <p:spPr>
+            <a:xfrm>
+              <a:off x="7762568" y="1825625"/>
+              <a:ext cx="0" cy="4351338"/>
+            </a:xfrm>
+            <a:prstGeom prst="line">
+              <a:avLst/>
+            </a:prstGeom>
+            <a:ln w="19050"/>
+          </p:spPr>
+          <p:style>
+            <a:lnRef idx="1">
+              <a:schemeClr val="dk1"/>
+            </a:lnRef>
+            <a:fillRef idx="0">
+              <a:schemeClr val="dk1"/>
+            </a:fillRef>
+            <a:effectRef idx="0">
+              <a:schemeClr val="dk1"/>
+            </a:effectRef>
+            <a:fontRef idx="minor">
+              <a:schemeClr val="tx1"/>
+            </a:fontRef>
+          </p:style>
+        </p:cxnSp>
+        <p:cxnSp>
+          <p:nvCxnSpPr>
+            <p:cNvPr id="40" name="직선 연결선 39"/>
+            <p:cNvCxnSpPr/>
+            <p:nvPr/>
+          </p:nvCxnSpPr>
+          <p:spPr>
+            <a:xfrm>
+              <a:off x="7541569" y="1825625"/>
+              <a:ext cx="0" cy="4351338"/>
+            </a:xfrm>
+            <a:prstGeom prst="line">
+              <a:avLst/>
+            </a:prstGeom>
+            <a:ln w="19050"/>
+          </p:spPr>
+          <p:style>
+            <a:lnRef idx="1">
+              <a:schemeClr val="dk1"/>
+            </a:lnRef>
+            <a:fillRef idx="0">
+              <a:schemeClr val="dk1"/>
+            </a:fillRef>
+            <a:effectRef idx="0">
+              <a:schemeClr val="dk1"/>
+            </a:effectRef>
+            <a:fontRef idx="minor">
+              <a:schemeClr val="tx1"/>
+            </a:fontRef>
+          </p:style>
+        </p:cxnSp>
+        <p:cxnSp>
+          <p:nvCxnSpPr>
+            <p:cNvPr id="41" name="직선 연결선 40"/>
+            <p:cNvCxnSpPr/>
+            <p:nvPr/>
+          </p:nvCxnSpPr>
+          <p:spPr>
+            <a:xfrm>
+              <a:off x="8244350" y="1825625"/>
+              <a:ext cx="0" cy="4351338"/>
+            </a:xfrm>
+            <a:prstGeom prst="line">
+              <a:avLst/>
+            </a:prstGeom>
+            <a:ln w="19050"/>
+          </p:spPr>
+          <p:style>
+            <a:lnRef idx="1">
+              <a:schemeClr val="dk1"/>
+            </a:lnRef>
+            <a:fillRef idx="0">
+              <a:schemeClr val="dk1"/>
+            </a:fillRef>
+            <a:effectRef idx="0">
+              <a:schemeClr val="dk1"/>
+            </a:effectRef>
+            <a:fontRef idx="minor">
+              <a:schemeClr val="tx1"/>
+            </a:fontRef>
+          </p:style>
+        </p:cxnSp>
+        <p:cxnSp>
+          <p:nvCxnSpPr>
+            <p:cNvPr id="42" name="직선 연결선 41"/>
+            <p:cNvCxnSpPr/>
+            <p:nvPr/>
+          </p:nvCxnSpPr>
+          <p:spPr>
+            <a:xfrm>
+              <a:off x="8962103" y="1825625"/>
+              <a:ext cx="0" cy="4351338"/>
+            </a:xfrm>
+            <a:prstGeom prst="line">
+              <a:avLst/>
+            </a:prstGeom>
+            <a:ln w="19050"/>
+          </p:spPr>
+          <p:style>
+            <a:lnRef idx="1">
+              <a:schemeClr val="dk1"/>
+            </a:lnRef>
+            <a:fillRef idx="0">
+              <a:schemeClr val="dk1"/>
+            </a:fillRef>
+            <a:effectRef idx="0">
+              <a:schemeClr val="dk1"/>
+            </a:effectRef>
+            <a:fontRef idx="minor">
+              <a:schemeClr val="tx1"/>
+            </a:fontRef>
+          </p:style>
+        </p:cxnSp>
+        <p:cxnSp>
+          <p:nvCxnSpPr>
+            <p:cNvPr id="43" name="직선 연결선 42"/>
+            <p:cNvCxnSpPr/>
+            <p:nvPr/>
+          </p:nvCxnSpPr>
+          <p:spPr>
+            <a:xfrm>
+              <a:off x="8731044" y="1825625"/>
+              <a:ext cx="0" cy="4351338"/>
+            </a:xfrm>
+            <a:prstGeom prst="line">
+              <a:avLst/>
+            </a:prstGeom>
+            <a:ln w="19050"/>
+          </p:spPr>
+          <p:style>
+            <a:lnRef idx="1">
+              <a:schemeClr val="dk1"/>
+            </a:lnRef>
+            <a:fillRef idx="0">
+              <a:schemeClr val="dk1"/>
+            </a:fillRef>
+            <a:effectRef idx="0">
+              <a:schemeClr val="dk1"/>
+            </a:effectRef>
+            <a:fontRef idx="minor">
+              <a:schemeClr val="tx1"/>
+            </a:fontRef>
+          </p:style>
+        </p:cxnSp>
+        <p:cxnSp>
+          <p:nvCxnSpPr>
+            <p:cNvPr id="44" name="직선 연결선 43"/>
+            <p:cNvCxnSpPr/>
+            <p:nvPr/>
+          </p:nvCxnSpPr>
+          <p:spPr>
+            <a:xfrm>
+              <a:off x="8510045" y="1825625"/>
+              <a:ext cx="0" cy="4351338"/>
+            </a:xfrm>
+            <a:prstGeom prst="line">
+              <a:avLst/>
+            </a:prstGeom>
+            <a:ln w="19050"/>
+          </p:spPr>
+          <p:style>
+            <a:lnRef idx="1">
+              <a:schemeClr val="dk1"/>
+            </a:lnRef>
+            <a:fillRef idx="0">
+              <a:schemeClr val="dk1"/>
+            </a:fillRef>
+            <a:effectRef idx="0">
+              <a:schemeClr val="dk1"/>
+            </a:effectRef>
+            <a:fontRef idx="minor">
+              <a:schemeClr val="tx1"/>
+            </a:fontRef>
+          </p:style>
+        </p:cxnSp>
+        <p:cxnSp>
+          <p:nvCxnSpPr>
+            <p:cNvPr id="45" name="직선 연결선 44"/>
+            <p:cNvCxnSpPr/>
+            <p:nvPr/>
+          </p:nvCxnSpPr>
+          <p:spPr>
+            <a:xfrm>
+              <a:off x="9212826" y="1825625"/>
+              <a:ext cx="0" cy="4351338"/>
+            </a:xfrm>
+            <a:prstGeom prst="line">
+              <a:avLst/>
+            </a:prstGeom>
+            <a:ln w="19050"/>
+          </p:spPr>
+          <p:style>
+            <a:lnRef idx="1">
+              <a:schemeClr val="dk1"/>
+            </a:lnRef>
+            <a:fillRef idx="0">
+              <a:schemeClr val="dk1"/>
+            </a:fillRef>
+            <a:effectRef idx="0">
+              <a:schemeClr val="dk1"/>
+            </a:effectRef>
+            <a:fontRef idx="minor">
+              <a:schemeClr val="tx1"/>
+            </a:fontRef>
+          </p:style>
+        </p:cxnSp>
+      </p:grpSp>
+      <p:grpSp>
+        <p:nvGrpSpPr>
+          <p:cNvPr id="75" name="그룹 74"/>
+          <p:cNvGrpSpPr/>
+          <p:nvPr/>
+        </p:nvGrpSpPr>
+        <p:grpSpPr>
+          <a:xfrm>
+            <a:off x="2846441" y="1825625"/>
+            <a:ext cx="216760" cy="4351338"/>
+            <a:chOff x="2846441" y="1825625"/>
+            <a:chExt cx="216760" cy="4351338"/>
+          </a:xfrm>
+        </p:grpSpPr>
+        <p:sp>
+          <p:nvSpPr>
+            <p:cNvPr id="71" name="직사각형 70"/>
+            <p:cNvSpPr/>
+            <p:nvPr/>
+          </p:nvSpPr>
+          <p:spPr>
+            <a:xfrm>
+              <a:off x="2851581" y="1825625"/>
+              <a:ext cx="211619" cy="4351338"/>
+            </a:xfrm>
+            <a:prstGeom prst="rect">
+              <a:avLst/>
+            </a:prstGeom>
+            <a:noFill/>
+            <a:ln>
+              <a:solidFill>
+                <a:srgbClr val="FFFF00"/>
+              </a:solidFill>
+            </a:ln>
+          </p:spPr>
+          <p:style>
+            <a:lnRef idx="2">
+              <a:schemeClr val="accent1">
+                <a:shade val="50000"/>
+              </a:schemeClr>
+            </a:lnRef>
+            <a:fillRef idx="1">
+              <a:schemeClr val="accent1"/>
+            </a:fillRef>
+            <a:effectRef idx="0">
+              <a:schemeClr val="accent1"/>
+            </a:effectRef>
+            <a:fontRef idx="minor">
+              <a:schemeClr val="lt1"/>
+            </a:fontRef>
+          </p:style>
+          <p:txBody>
+            <a:bodyPr rtlCol="0" anchor="ctr"/>
+            <a:lstStyle/>
+            <a:p>
+              <a:pPr algn="ctr"/>
+              <a:endParaRPr lang="ko-KR" altLang="en-US"/>
+            </a:p>
+          </p:txBody>
+        </p:sp>
+        <p:sp>
+          <p:nvSpPr>
+            <p:cNvPr id="72" name="직사각형 71"/>
+            <p:cNvSpPr/>
+            <p:nvPr/>
+          </p:nvSpPr>
+          <p:spPr>
+            <a:xfrm>
+              <a:off x="2846441" y="2231923"/>
+              <a:ext cx="216759" cy="3529780"/>
+            </a:xfrm>
+            <a:prstGeom prst="rect">
+              <a:avLst/>
+            </a:prstGeom>
+            <a:noFill/>
+            <a:ln>
+              <a:solidFill>
+                <a:srgbClr val="FFFF00"/>
+              </a:solidFill>
+            </a:ln>
+          </p:spPr>
+          <p:style>
+            <a:lnRef idx="2">
+              <a:schemeClr val="accent1">
+                <a:shade val="50000"/>
+              </a:schemeClr>
+            </a:lnRef>
+            <a:fillRef idx="1">
+              <a:schemeClr val="accent1"/>
+            </a:fillRef>
+            <a:effectRef idx="0">
+              <a:schemeClr val="accent1"/>
+            </a:effectRef>
+            <a:fontRef idx="minor">
+              <a:schemeClr val="lt1"/>
+            </a:fontRef>
+          </p:style>
+          <p:txBody>
+            <a:bodyPr rtlCol="0" anchor="ctr"/>
+            <a:lstStyle/>
+            <a:p>
+              <a:pPr algn="ctr"/>
+              <a:endParaRPr lang="ko-KR" altLang="en-US"/>
+            </a:p>
+          </p:txBody>
+        </p:sp>
+        <p:sp>
+          <p:nvSpPr>
+            <p:cNvPr id="73" name="직사각형 72"/>
+            <p:cNvSpPr/>
+            <p:nvPr/>
+          </p:nvSpPr>
+          <p:spPr>
+            <a:xfrm>
+              <a:off x="2851359" y="2630134"/>
+              <a:ext cx="211842" cy="2777614"/>
+            </a:xfrm>
+            <a:prstGeom prst="rect">
+              <a:avLst/>
+            </a:prstGeom>
+            <a:noFill/>
+            <a:ln>
+              <a:solidFill>
+                <a:srgbClr val="FFFF00"/>
+              </a:solidFill>
+            </a:ln>
+          </p:spPr>
+          <p:style>
+            <a:lnRef idx="2">
+              <a:schemeClr val="accent1">
+                <a:shade val="50000"/>
+              </a:schemeClr>
+            </a:lnRef>
+            <a:fillRef idx="1">
+              <a:schemeClr val="accent1"/>
+            </a:fillRef>
+            <a:effectRef idx="0">
+              <a:schemeClr val="accent1"/>
+            </a:effectRef>
+            <a:fontRef idx="minor">
+              <a:schemeClr val="lt1"/>
+            </a:fontRef>
+          </p:style>
+          <p:txBody>
+            <a:bodyPr rtlCol="0" anchor="ctr"/>
+            <a:lstStyle/>
+            <a:p>
+              <a:pPr algn="ctr"/>
+              <a:endParaRPr lang="ko-KR" altLang="en-US"/>
+            </a:p>
+          </p:txBody>
+        </p:sp>
+        <p:sp>
+          <p:nvSpPr>
+            <p:cNvPr id="74" name="직사각형 73"/>
+            <p:cNvSpPr/>
+            <p:nvPr/>
+          </p:nvSpPr>
+          <p:spPr>
+            <a:xfrm>
+              <a:off x="2855823" y="3303639"/>
+              <a:ext cx="207378" cy="993058"/>
+            </a:xfrm>
+            <a:prstGeom prst="rect">
+              <a:avLst/>
+            </a:prstGeom>
+            <a:noFill/>
+            <a:ln>
+              <a:solidFill>
+                <a:srgbClr val="FFFF00"/>
+              </a:solidFill>
+            </a:ln>
+          </p:spPr>
+          <p:style>
+            <a:lnRef idx="2">
+              <a:schemeClr val="accent1">
+                <a:shade val="50000"/>
+              </a:schemeClr>
+            </a:lnRef>
+            <a:fillRef idx="1">
+              <a:schemeClr val="accent1"/>
+            </a:fillRef>
+            <a:effectRef idx="0">
+              <a:schemeClr val="accent1"/>
+            </a:effectRef>
+            <a:fontRef idx="minor">
+              <a:schemeClr val="lt1"/>
+            </a:fontRef>
+          </p:style>
+          <p:txBody>
+            <a:bodyPr rtlCol="0" anchor="ctr"/>
+            <a:lstStyle/>
+            <a:p>
+              <a:pPr algn="ctr"/>
+              <a:endParaRPr lang="ko-KR" altLang="en-US"/>
+            </a:p>
+          </p:txBody>
+        </p:sp>
+      </p:grpSp>
+      <p:grpSp>
+        <p:nvGrpSpPr>
+          <p:cNvPr id="91" name="그룹 90"/>
+          <p:cNvGrpSpPr/>
+          <p:nvPr/>
+        </p:nvGrpSpPr>
+        <p:grpSpPr>
+          <a:xfrm>
+            <a:off x="3077270" y="1833440"/>
+            <a:ext cx="216760" cy="4351338"/>
+            <a:chOff x="2846441" y="1825625"/>
+            <a:chExt cx="216760" cy="4351338"/>
+          </a:xfrm>
+        </p:grpSpPr>
+        <p:sp>
+          <p:nvSpPr>
+            <p:cNvPr id="92" name="직사각형 91"/>
+            <p:cNvSpPr/>
+            <p:nvPr/>
+          </p:nvSpPr>
+          <p:spPr>
+            <a:xfrm>
+              <a:off x="2851581" y="1825625"/>
+              <a:ext cx="211619" cy="4351338"/>
+            </a:xfrm>
+            <a:prstGeom prst="rect">
+              <a:avLst/>
+            </a:prstGeom>
+            <a:noFill/>
+            <a:ln>
+              <a:solidFill>
+                <a:srgbClr val="FFFF00"/>
+              </a:solidFill>
+            </a:ln>
+          </p:spPr>
+          <p:style>
+            <a:lnRef idx="2">
+              <a:schemeClr val="accent1">
+                <a:shade val="50000"/>
+              </a:schemeClr>
+            </a:lnRef>
+            <a:fillRef idx="1">
+              <a:schemeClr val="accent1"/>
+            </a:fillRef>
+            <a:effectRef idx="0">
+              <a:schemeClr val="accent1"/>
+            </a:effectRef>
+            <a:fontRef idx="minor">
+              <a:schemeClr val="lt1"/>
+            </a:fontRef>
+          </p:style>
+          <p:txBody>
+            <a:bodyPr rtlCol="0" anchor="ctr"/>
+            <a:lstStyle/>
+            <a:p>
+              <a:pPr algn="ctr"/>
+              <a:endParaRPr lang="ko-KR" altLang="en-US"/>
+            </a:p>
+          </p:txBody>
+        </p:sp>
+        <p:sp>
+          <p:nvSpPr>
+            <p:cNvPr id="93" name="직사각형 92"/>
+            <p:cNvSpPr/>
+            <p:nvPr/>
+          </p:nvSpPr>
+          <p:spPr>
+            <a:xfrm>
+              <a:off x="2846441" y="2231923"/>
+              <a:ext cx="216759" cy="3529780"/>
+            </a:xfrm>
+            <a:prstGeom prst="rect">
+              <a:avLst/>
+            </a:prstGeom>
+            <a:noFill/>
+            <a:ln>
+              <a:solidFill>
+                <a:srgbClr val="FFFF00"/>
+              </a:solidFill>
+            </a:ln>
+          </p:spPr>
+          <p:style>
+            <a:lnRef idx="2">
+              <a:schemeClr val="accent1">
+                <a:shade val="50000"/>
+              </a:schemeClr>
+            </a:lnRef>
+            <a:fillRef idx="1">
+              <a:schemeClr val="accent1"/>
+            </a:fillRef>
+            <a:effectRef idx="0">
+              <a:schemeClr val="accent1"/>
+            </a:effectRef>
+            <a:fontRef idx="minor">
+              <a:schemeClr val="lt1"/>
+            </a:fontRef>
+          </p:style>
+          <p:txBody>
+            <a:bodyPr rtlCol="0" anchor="ctr"/>
+            <a:lstStyle/>
+            <a:p>
+              <a:pPr algn="ctr"/>
+              <a:endParaRPr lang="ko-KR" altLang="en-US"/>
+            </a:p>
+          </p:txBody>
+        </p:sp>
+        <p:sp>
+          <p:nvSpPr>
+            <p:cNvPr id="94" name="직사각형 93"/>
+            <p:cNvSpPr/>
+            <p:nvPr/>
+          </p:nvSpPr>
+          <p:spPr>
+            <a:xfrm>
+              <a:off x="2851359" y="2630134"/>
+              <a:ext cx="211842" cy="2777614"/>
+            </a:xfrm>
+            <a:prstGeom prst="rect">
+              <a:avLst/>
+            </a:prstGeom>
+            <a:noFill/>
+            <a:ln>
+              <a:solidFill>
+                <a:srgbClr val="FFFF00"/>
+              </a:solidFill>
+            </a:ln>
+          </p:spPr>
+          <p:style>
+            <a:lnRef idx="2">
+              <a:schemeClr val="accent1">
+                <a:shade val="50000"/>
+              </a:schemeClr>
+            </a:lnRef>
+            <a:fillRef idx="1">
+              <a:schemeClr val="accent1"/>
+            </a:fillRef>
+            <a:effectRef idx="0">
+              <a:schemeClr val="accent1"/>
+            </a:effectRef>
+            <a:fontRef idx="minor">
+              <a:schemeClr val="lt1"/>
+            </a:fontRef>
+          </p:style>
+          <p:txBody>
+            <a:bodyPr rtlCol="0" anchor="ctr"/>
+            <a:lstStyle/>
+            <a:p>
+              <a:pPr algn="ctr"/>
+              <a:endParaRPr lang="ko-KR" altLang="en-US"/>
+            </a:p>
+          </p:txBody>
+        </p:sp>
+        <p:sp>
+          <p:nvSpPr>
+            <p:cNvPr id="95" name="직사각형 94"/>
+            <p:cNvSpPr/>
+            <p:nvPr/>
+          </p:nvSpPr>
+          <p:spPr>
+            <a:xfrm>
+              <a:off x="2855823" y="3303639"/>
+              <a:ext cx="207378" cy="993058"/>
+            </a:xfrm>
+            <a:prstGeom prst="rect">
+              <a:avLst/>
+            </a:prstGeom>
+            <a:noFill/>
+            <a:ln>
+              <a:solidFill>
+                <a:srgbClr val="FFFF00"/>
+              </a:solidFill>
+            </a:ln>
+          </p:spPr>
+          <p:style>
+            <a:lnRef idx="2">
+              <a:schemeClr val="accent1">
+                <a:shade val="50000"/>
+              </a:schemeClr>
+            </a:lnRef>
+            <a:fillRef idx="1">
+              <a:schemeClr val="accent1"/>
+            </a:fillRef>
+            <a:effectRef idx="0">
+              <a:schemeClr val="accent1"/>
+            </a:effectRef>
+            <a:fontRef idx="minor">
+              <a:schemeClr val="lt1"/>
+            </a:fontRef>
+          </p:style>
+          <p:txBody>
+            <a:bodyPr rtlCol="0" anchor="ctr"/>
+            <a:lstStyle/>
+            <a:p>
+              <a:pPr algn="ctr"/>
+              <a:endParaRPr lang="ko-KR" altLang="en-US"/>
+            </a:p>
+          </p:txBody>
+        </p:sp>
+      </p:grpSp>
+      <p:grpSp>
+        <p:nvGrpSpPr>
+          <p:cNvPr id="101" name="그룹 100"/>
+          <p:cNvGrpSpPr/>
+          <p:nvPr/>
+        </p:nvGrpSpPr>
+        <p:grpSpPr>
+          <a:xfrm>
+            <a:off x="3322969" y="1827642"/>
+            <a:ext cx="216760" cy="4351338"/>
+            <a:chOff x="2846441" y="1825625"/>
+            <a:chExt cx="216760" cy="4351338"/>
+          </a:xfrm>
+        </p:grpSpPr>
+        <p:sp>
+          <p:nvSpPr>
+            <p:cNvPr id="102" name="직사각형 101"/>
+            <p:cNvSpPr/>
+            <p:nvPr/>
+          </p:nvSpPr>
+          <p:spPr>
+            <a:xfrm>
+              <a:off x="2851581" y="1825625"/>
+              <a:ext cx="211619" cy="4351338"/>
+            </a:xfrm>
+            <a:prstGeom prst="rect">
+              <a:avLst/>
+            </a:prstGeom>
+            <a:noFill/>
+            <a:ln>
+              <a:solidFill>
+                <a:srgbClr val="FFFF00"/>
+              </a:solidFill>
+            </a:ln>
+          </p:spPr>
+          <p:style>
+            <a:lnRef idx="2">
+              <a:schemeClr val="accent1">
+                <a:shade val="50000"/>
+              </a:schemeClr>
+            </a:lnRef>
+            <a:fillRef idx="1">
+              <a:schemeClr val="accent1"/>
+            </a:fillRef>
+            <a:effectRef idx="0">
+              <a:schemeClr val="accent1"/>
+            </a:effectRef>
+            <a:fontRef idx="minor">
+              <a:schemeClr val="lt1"/>
+            </a:fontRef>
+          </p:style>
+          <p:txBody>
+            <a:bodyPr rtlCol="0" anchor="ctr"/>
+            <a:lstStyle/>
+            <a:p>
+              <a:pPr algn="ctr"/>
+              <a:endParaRPr lang="ko-KR" altLang="en-US"/>
+            </a:p>
+          </p:txBody>
+        </p:sp>
+        <p:sp>
+          <p:nvSpPr>
+            <p:cNvPr id="103" name="직사각형 102"/>
+            <p:cNvSpPr/>
+            <p:nvPr/>
+          </p:nvSpPr>
+          <p:spPr>
+            <a:xfrm>
+              <a:off x="2846441" y="2231923"/>
+              <a:ext cx="216759" cy="3529780"/>
+            </a:xfrm>
+            <a:prstGeom prst="rect">
+              <a:avLst/>
+            </a:prstGeom>
+            <a:noFill/>
+            <a:ln>
+              <a:solidFill>
+                <a:srgbClr val="FFFF00"/>
+              </a:solidFill>
+            </a:ln>
+          </p:spPr>
+          <p:style>
+            <a:lnRef idx="2">
+              <a:schemeClr val="accent1">
+                <a:shade val="50000"/>
+              </a:schemeClr>
+            </a:lnRef>
+            <a:fillRef idx="1">
+              <a:schemeClr val="accent1"/>
+            </a:fillRef>
+            <a:effectRef idx="0">
+              <a:schemeClr val="accent1"/>
+            </a:effectRef>
+            <a:fontRef idx="minor">
+              <a:schemeClr val="lt1"/>
+            </a:fontRef>
+          </p:style>
+          <p:txBody>
+            <a:bodyPr rtlCol="0" anchor="ctr"/>
+            <a:lstStyle/>
+            <a:p>
+              <a:pPr algn="ctr"/>
+              <a:endParaRPr lang="ko-KR" altLang="en-US"/>
+            </a:p>
+          </p:txBody>
+        </p:sp>
+        <p:sp>
+          <p:nvSpPr>
+            <p:cNvPr id="104" name="직사각형 103"/>
+            <p:cNvSpPr/>
+            <p:nvPr/>
+          </p:nvSpPr>
+          <p:spPr>
+            <a:xfrm>
+              <a:off x="2851359" y="2630134"/>
+              <a:ext cx="211842" cy="2777614"/>
+            </a:xfrm>
+            <a:prstGeom prst="rect">
+              <a:avLst/>
+            </a:prstGeom>
+            <a:noFill/>
+            <a:ln>
+              <a:solidFill>
+                <a:srgbClr val="FFFF00"/>
+              </a:solidFill>
+            </a:ln>
+          </p:spPr>
+          <p:style>
+            <a:lnRef idx="2">
+              <a:schemeClr val="accent1">
+                <a:shade val="50000"/>
+              </a:schemeClr>
+            </a:lnRef>
+            <a:fillRef idx="1">
+              <a:schemeClr val="accent1"/>
+            </a:fillRef>
+            <a:effectRef idx="0">
+              <a:schemeClr val="accent1"/>
+            </a:effectRef>
+            <a:fontRef idx="minor">
+              <a:schemeClr val="lt1"/>
+            </a:fontRef>
+          </p:style>
+          <p:txBody>
+            <a:bodyPr rtlCol="0" anchor="ctr"/>
+            <a:lstStyle/>
+            <a:p>
+              <a:pPr algn="ctr"/>
+              <a:endParaRPr lang="ko-KR" altLang="en-US"/>
+            </a:p>
+          </p:txBody>
+        </p:sp>
+        <p:sp>
+          <p:nvSpPr>
+            <p:cNvPr id="105" name="직사각형 104"/>
+            <p:cNvSpPr/>
+            <p:nvPr/>
+          </p:nvSpPr>
+          <p:spPr>
+            <a:xfrm>
+              <a:off x="2855823" y="3303639"/>
+              <a:ext cx="207378" cy="993058"/>
+            </a:xfrm>
+            <a:prstGeom prst="rect">
+              <a:avLst/>
+            </a:prstGeom>
+            <a:noFill/>
+            <a:ln>
+              <a:solidFill>
+                <a:srgbClr val="FFFF00"/>
+              </a:solidFill>
+            </a:ln>
+          </p:spPr>
+          <p:style>
+            <a:lnRef idx="2">
+              <a:schemeClr val="accent1">
+                <a:shade val="50000"/>
+              </a:schemeClr>
+            </a:lnRef>
+            <a:fillRef idx="1">
+              <a:schemeClr val="accent1"/>
+            </a:fillRef>
+            <a:effectRef idx="0">
+              <a:schemeClr val="accent1"/>
+            </a:effectRef>
+            <a:fontRef idx="minor">
+              <a:schemeClr val="lt1"/>
+            </a:fontRef>
+          </p:style>
+          <p:txBody>
+            <a:bodyPr rtlCol="0" anchor="ctr"/>
+            <a:lstStyle/>
+            <a:p>
+              <a:pPr algn="ctr"/>
+              <a:endParaRPr lang="ko-KR" altLang="en-US"/>
+            </a:p>
+          </p:txBody>
+        </p:sp>
+      </p:grpSp>
+      <p:sp>
+        <p:nvSpPr>
+          <p:cNvPr id="106" name="직사각형 105"/>
+          <p:cNvSpPr/>
+          <p:nvPr/>
+        </p:nvSpPr>
+        <p:spPr>
+          <a:xfrm>
+            <a:off x="3751346" y="3311454"/>
+            <a:ext cx="908921" cy="857423"/>
+          </a:xfrm>
+          <a:prstGeom prst="rect">
+            <a:avLst/>
+          </a:prstGeom>
+          <a:noFill/>
+          <a:ln w="38100">
+            <a:solidFill>
+              <a:srgbClr val="00B0F0"/>
+            </a:solidFill>
+          </a:ln>
+        </p:spPr>
+        <p:style>
+          <a:lnRef idx="2">
+            <a:schemeClr val="accent1">
+              <a:shade val="50000"/>
+            </a:schemeClr>
+          </a:lnRef>
+          <a:fillRef idx="1">
+            <a:schemeClr val="accent1"/>
+          </a:fillRef>
+          <a:effectRef idx="0">
+            <a:schemeClr val="accent1"/>
+          </a:effectRef>
+          <a:fontRef idx="minor">
+            <a:schemeClr val="lt1"/>
+          </a:fontRef>
+        </p:style>
+        <p:txBody>
+          <a:bodyPr rtlCol="0" anchor="ctr"/>
+          <a:lstStyle/>
+          <a:p>
+            <a:pPr algn="ctr"/>
+            <a:endParaRPr lang="ko-KR" altLang="en-US"/>
+          </a:p>
+        </p:txBody>
+      </p:sp>
+      <p:sp>
+        <p:nvSpPr>
+          <p:cNvPr id="107" name="직사각형 106"/>
+          <p:cNvSpPr/>
+          <p:nvPr/>
+        </p:nvSpPr>
+        <p:spPr>
+          <a:xfrm>
+            <a:off x="5680925" y="3451123"/>
+            <a:ext cx="1815949" cy="934065"/>
+          </a:xfrm>
+          <a:prstGeom prst="rect">
+            <a:avLst/>
+          </a:prstGeom>
+          <a:noFill/>
+          <a:ln w="38100">
+            <a:solidFill>
+              <a:srgbClr val="00B0F0"/>
+            </a:solidFill>
+          </a:ln>
+        </p:spPr>
+        <p:style>
+          <a:lnRef idx="2">
+            <a:schemeClr val="accent1">
+              <a:shade val="50000"/>
+            </a:schemeClr>
+          </a:lnRef>
+          <a:fillRef idx="1">
+            <a:schemeClr val="accent1"/>
+          </a:fillRef>
+          <a:effectRef idx="0">
+            <a:schemeClr val="accent1"/>
+          </a:effectRef>
+          <a:fontRef idx="minor">
+            <a:schemeClr val="lt1"/>
+          </a:fontRef>
+        </p:style>
+        <p:txBody>
+          <a:bodyPr rtlCol="0" anchor="ctr"/>
+          <a:lstStyle/>
+          <a:p>
+            <a:pPr algn="ctr"/>
+            <a:endParaRPr lang="ko-KR" altLang="en-US"/>
+          </a:p>
+        </p:txBody>
+      </p:sp>
+      <p:sp>
+        <p:nvSpPr>
+          <p:cNvPr id="109" name="직사각형 108"/>
+          <p:cNvSpPr/>
+          <p:nvPr/>
+        </p:nvSpPr>
+        <p:spPr>
+          <a:xfrm>
+            <a:off x="3785421" y="3382297"/>
+            <a:ext cx="236201" cy="786580"/>
+          </a:xfrm>
+          <a:prstGeom prst="rect">
+            <a:avLst/>
+          </a:prstGeom>
+          <a:noFill/>
+          <a:ln w="28575">
+            <a:solidFill>
+              <a:srgbClr val="FF0000"/>
+            </a:solidFill>
+          </a:ln>
+        </p:spPr>
+        <p:style>
+          <a:lnRef idx="2">
+            <a:schemeClr val="accent1">
+              <a:shade val="50000"/>
+            </a:schemeClr>
+          </a:lnRef>
+          <a:fillRef idx="1">
+            <a:schemeClr val="accent1"/>
+          </a:fillRef>
+          <a:effectRef idx="0">
+            <a:schemeClr val="accent1"/>
+          </a:effectRef>
+          <a:fontRef idx="minor">
+            <a:schemeClr val="lt1"/>
+          </a:fontRef>
+        </p:style>
+        <p:txBody>
+          <a:bodyPr rtlCol="0" anchor="ctr"/>
+          <a:lstStyle/>
+          <a:p>
+            <a:pPr algn="ctr"/>
+            <a:endParaRPr lang="ko-KR" altLang="en-US"/>
+          </a:p>
+        </p:txBody>
+      </p:sp>
+      <p:sp>
+        <p:nvSpPr>
+          <p:cNvPr id="110" name="직사각형 109"/>
+          <p:cNvSpPr/>
+          <p:nvPr/>
+        </p:nvSpPr>
+        <p:spPr>
+          <a:xfrm>
+            <a:off x="4006308" y="3382297"/>
+            <a:ext cx="211508" cy="789479"/>
+          </a:xfrm>
+          <a:prstGeom prst="rect">
+            <a:avLst/>
+          </a:prstGeom>
+          <a:noFill/>
+          <a:ln w="28575">
+            <a:solidFill>
+              <a:srgbClr val="FF0000"/>
+            </a:solidFill>
+          </a:ln>
+        </p:spPr>
+        <p:style>
+          <a:lnRef idx="2">
+            <a:schemeClr val="accent1">
+              <a:shade val="50000"/>
+            </a:schemeClr>
+          </a:lnRef>
+          <a:fillRef idx="1">
+            <a:schemeClr val="accent1"/>
+          </a:fillRef>
+          <a:effectRef idx="0">
+            <a:schemeClr val="accent1"/>
+          </a:effectRef>
+          <a:fontRef idx="minor">
+            <a:schemeClr val="lt1"/>
+          </a:fontRef>
+        </p:style>
+        <p:txBody>
+          <a:bodyPr rtlCol="0" anchor="ctr"/>
+          <a:lstStyle/>
+          <a:p>
+            <a:pPr algn="ctr"/>
+            <a:endParaRPr lang="ko-KR" altLang="en-US"/>
+          </a:p>
+        </p:txBody>
+      </p:sp>
+      <p:sp>
+        <p:nvSpPr>
+          <p:cNvPr id="111" name="오른쪽 화살표 110"/>
+          <p:cNvSpPr/>
+          <p:nvPr/>
+        </p:nvSpPr>
+        <p:spPr>
+          <a:xfrm>
+            <a:off x="2855823" y="1432972"/>
+            <a:ext cx="6248581" cy="274759"/>
+          </a:xfrm>
+          <a:prstGeom prst="rightArrow">
+            <a:avLst/>
+          </a:prstGeom>
+        </p:spPr>
+        <p:style>
+          <a:lnRef idx="2">
+            <a:schemeClr val="dk1">
+              <a:shade val="50000"/>
+            </a:schemeClr>
+          </a:lnRef>
+          <a:fillRef idx="1">
+            <a:schemeClr val="dk1"/>
+          </a:fillRef>
+          <a:effectRef idx="0">
+            <a:schemeClr val="dk1"/>
+          </a:effectRef>
+          <a:fontRef idx="minor">
+            <a:schemeClr val="lt1"/>
+          </a:fontRef>
+        </p:style>
+        <p:txBody>
+          <a:bodyPr rtlCol="0" anchor="ctr"/>
+          <a:lstStyle/>
+          <a:p>
+            <a:pPr algn="ctr"/>
+            <a:endParaRPr lang="ko-KR" altLang="en-US"/>
+          </a:p>
+        </p:txBody>
+      </p:sp>
+    </p:spTree>
+    <p:extLst>
+      <p:ext uri="{BB962C8B-B14F-4D97-AF65-F5344CB8AC3E}">
+        <p14:creationId xmlns:p14="http://schemas.microsoft.com/office/powerpoint/2010/main" val="18505815"/>
+      </p:ext>
+    </p:extLst>
+  </p:cSld>
+  <p:clrMapOvr>
+    <a:masterClrMapping/>
+  </p:clrMapOvr>
+</p:sld>
+</file>
+
+<file path=ppt/slides/slide11.xml><?xml version="1.0" encoding="utf-8"?>
+<p:sld xmlns:a="http://schemas.openxmlformats.org/drawingml/2006/main" xmlns:r="http://schemas.openxmlformats.org/officeDocument/2006/relationships" xmlns:p="http://schemas.openxmlformats.org/presentationml/2006/main">
+  <p:cSld>
+    <p:spTree>
+      <p:nvGrpSpPr>
+        <p:cNvPr id="1" name=""/>
+        <p:cNvGrpSpPr/>
+        <p:nvPr/>
+      </p:nvGrpSpPr>
+      <p:grpSpPr>
+        <a:xfrm>
+          <a:off x="0" y="0"/>
+          <a:ext cx="0" cy="0"/>
+          <a:chOff x="0" y="0"/>
+          <a:chExt cx="0" cy="0"/>
+        </a:xfrm>
+      </p:grpSpPr>
+      <p:pic>
+        <p:nvPicPr>
+          <p:cNvPr id="4" name="내용 개체 틀 3"/>
+          <p:cNvPicPr>
+            <a:picLocks noGrp="1" noChangeAspect="1"/>
+          </p:cNvPicPr>
+          <p:nvPr>
+            <p:ph idx="1"/>
+          </p:nvPr>
+        </p:nvPicPr>
+        <p:blipFill>
+          <a:blip r:embed="rId3" cstate="print">
+            <a:extLst>
+              <a:ext uri="{28A0092B-C50C-407E-A947-70E740481C1C}">
+                <a14:useLocalDpi xmlns:a14="http://schemas.microsoft.com/office/drawing/2010/main" val="0"/>
+              </a:ext>
+            </a:extLst>
+          </a:blip>
+          <a:stretch>
+            <a:fillRect/>
+          </a:stretch>
+        </p:blipFill>
+        <p:spPr>
+          <a:xfrm>
+            <a:off x="1103584" y="628803"/>
+            <a:ext cx="4638388" cy="3092259"/>
+          </a:xfrm>
+        </p:spPr>
+      </p:pic>
+      <p:pic>
+        <p:nvPicPr>
+          <p:cNvPr id="5" name="그림 4"/>
+          <p:cNvPicPr>
+            <a:picLocks noChangeAspect="1"/>
+          </p:cNvPicPr>
+          <p:nvPr/>
+        </p:nvPicPr>
+        <p:blipFill>
+          <a:blip r:embed="rId4" cstate="print">
+            <a:extLst>
+              <a:ext uri="{28A0092B-C50C-407E-A947-70E740481C1C}">
+                <a14:useLocalDpi xmlns:a14="http://schemas.microsoft.com/office/drawing/2010/main" val="0"/>
+              </a:ext>
+            </a:extLst>
+          </a:blip>
+          <a:stretch>
+            <a:fillRect/>
+          </a:stretch>
+        </p:blipFill>
+        <p:spPr>
+          <a:xfrm>
+            <a:off x="6167197" y="628803"/>
+            <a:ext cx="4638388" cy="3092258"/>
+          </a:xfrm>
+          <a:prstGeom prst="rect">
+            <a:avLst/>
+          </a:prstGeom>
+        </p:spPr>
+      </p:pic>
+      <p:pic>
+        <p:nvPicPr>
+          <p:cNvPr id="6" name="그림 5"/>
+          <p:cNvPicPr>
+            <a:picLocks noChangeAspect="1"/>
+          </p:cNvPicPr>
+          <p:nvPr/>
+        </p:nvPicPr>
+        <p:blipFill>
+          <a:blip r:embed="rId5" cstate="print">
+            <a:extLst>
+              <a:ext uri="{28A0092B-C50C-407E-A947-70E740481C1C}">
+                <a14:useLocalDpi xmlns:a14="http://schemas.microsoft.com/office/drawing/2010/main" val="0"/>
+              </a:ext>
+            </a:extLst>
+          </a:blip>
+          <a:stretch>
+            <a:fillRect/>
+          </a:stretch>
+        </p:blipFill>
+        <p:spPr>
+          <a:xfrm>
+            <a:off x="1103584" y="3982065"/>
+            <a:ext cx="4638388" cy="2652944"/>
+          </a:xfrm>
+          <a:prstGeom prst="rect">
+            <a:avLst/>
+          </a:prstGeom>
+        </p:spPr>
+      </p:pic>
+      <p:pic>
+        <p:nvPicPr>
+          <p:cNvPr id="9" name="그림 8"/>
+          <p:cNvPicPr>
+            <a:picLocks noChangeAspect="1"/>
+          </p:cNvPicPr>
+          <p:nvPr/>
+        </p:nvPicPr>
+        <p:blipFill>
+          <a:blip r:embed="rId6" cstate="print">
+            <a:extLst>
+              <a:ext uri="{28A0092B-C50C-407E-A947-70E740481C1C}">
+                <a14:useLocalDpi xmlns:a14="http://schemas.microsoft.com/office/drawing/2010/main" val="0"/>
+              </a:ext>
+            </a:extLst>
+          </a:blip>
+          <a:stretch>
+            <a:fillRect/>
+          </a:stretch>
+        </p:blipFill>
+        <p:spPr>
+          <a:xfrm>
+            <a:off x="6421197" y="3913874"/>
+            <a:ext cx="4081703" cy="2721135"/>
+          </a:xfrm>
+          <a:prstGeom prst="rect">
+            <a:avLst/>
+          </a:prstGeom>
+        </p:spPr>
+      </p:pic>
+      <p:pic>
+        <p:nvPicPr>
+          <p:cNvPr id="10" name="그림 9"/>
+          <p:cNvPicPr>
+            <a:picLocks noChangeAspect="1"/>
+          </p:cNvPicPr>
+          <p:nvPr/>
+        </p:nvPicPr>
+        <p:blipFill>
+          <a:blip r:embed="rId7" cstate="print">
+            <a:extLst>
+              <a:ext uri="{28A0092B-C50C-407E-A947-70E740481C1C}">
+                <a14:useLocalDpi xmlns:a14="http://schemas.microsoft.com/office/drawing/2010/main" val="0"/>
+              </a:ext>
+            </a:extLst>
+          </a:blip>
+          <a:stretch>
+            <a:fillRect/>
+          </a:stretch>
+        </p:blipFill>
+        <p:spPr>
+          <a:xfrm>
+            <a:off x="1103584" y="4000515"/>
+            <a:ext cx="4638388" cy="2609093"/>
+          </a:xfrm>
+          <a:prstGeom prst="rect">
+            <a:avLst/>
+          </a:prstGeom>
+        </p:spPr>
+      </p:pic>
+      <p:pic>
+        <p:nvPicPr>
+          <p:cNvPr id="11" name="그림 10"/>
+          <p:cNvPicPr>
+            <a:picLocks noChangeAspect="1"/>
+          </p:cNvPicPr>
+          <p:nvPr/>
+        </p:nvPicPr>
+        <p:blipFill>
+          <a:blip r:embed="rId8" cstate="print">
+            <a:extLst>
+              <a:ext uri="{28A0092B-C50C-407E-A947-70E740481C1C}">
+                <a14:useLocalDpi xmlns:a14="http://schemas.microsoft.com/office/drawing/2010/main" val="0"/>
+              </a:ext>
+            </a:extLst>
+          </a:blip>
+          <a:stretch>
+            <a:fillRect/>
+          </a:stretch>
+        </p:blipFill>
+        <p:spPr>
+          <a:xfrm>
+            <a:off x="1103584" y="616062"/>
+            <a:ext cx="4638388" cy="3092259"/>
+          </a:xfrm>
+          <a:prstGeom prst="rect">
+            <a:avLst/>
+          </a:prstGeom>
+        </p:spPr>
+      </p:pic>
+      <p:pic>
+        <p:nvPicPr>
+          <p:cNvPr id="13" name="그림 12"/>
+          <p:cNvPicPr>
+            <a:picLocks noChangeAspect="1"/>
+          </p:cNvPicPr>
+          <p:nvPr/>
+        </p:nvPicPr>
+        <p:blipFill>
+          <a:blip r:embed="rId9" cstate="print">
+            <a:extLst>
+              <a:ext uri="{28A0092B-C50C-407E-A947-70E740481C1C}">
+                <a14:useLocalDpi xmlns:a14="http://schemas.microsoft.com/office/drawing/2010/main" val="0"/>
+              </a:ext>
+            </a:extLst>
+          </a:blip>
+          <a:stretch>
+            <a:fillRect/>
+          </a:stretch>
+        </p:blipFill>
+        <p:spPr>
+          <a:xfrm>
+            <a:off x="6421197" y="3917969"/>
+            <a:ext cx="4081703" cy="2721135"/>
+          </a:xfrm>
+          <a:prstGeom prst="rect">
+            <a:avLst/>
+          </a:prstGeom>
+        </p:spPr>
+      </p:pic>
+      <p:pic>
+        <p:nvPicPr>
+          <p:cNvPr id="14" name="그림 13"/>
+          <p:cNvPicPr>
+            <a:picLocks noChangeAspect="1"/>
+          </p:cNvPicPr>
+          <p:nvPr/>
+        </p:nvPicPr>
+        <p:blipFill>
+          <a:blip r:embed="rId10" cstate="print">
+            <a:extLst>
+              <a:ext uri="{28A0092B-C50C-407E-A947-70E740481C1C}">
+                <a14:useLocalDpi xmlns:a14="http://schemas.microsoft.com/office/drawing/2010/main" val="0"/>
+              </a:ext>
+            </a:extLst>
+          </a:blip>
+          <a:stretch>
+            <a:fillRect/>
+          </a:stretch>
+        </p:blipFill>
+        <p:spPr>
+          <a:xfrm>
+            <a:off x="6167197" y="628803"/>
+            <a:ext cx="4638388" cy="3092259"/>
+          </a:xfrm>
+          <a:prstGeom prst="rect">
+            <a:avLst/>
+          </a:prstGeom>
+        </p:spPr>
+      </p:pic>
+    </p:spTree>
+    <p:extLst>
+      <p:ext uri="{BB962C8B-B14F-4D97-AF65-F5344CB8AC3E}">
+        <p14:creationId xmlns:p14="http://schemas.microsoft.com/office/powerpoint/2010/main" val="3972660576"/>
+      </p:ext>
+    </p:extLst>
+  </p:cSld>
+  <p:clrMapOvr>
+    <a:masterClrMapping/>
+  </p:clrMapOvr>
+</p:sld>
+</file>
+
+<file path=ppt/slides/slide12.xml><?xml version="1.0" encoding="utf-8"?>
+<p:sld xmlns:a="http://schemas.openxmlformats.org/drawingml/2006/main" xmlns:r="http://schemas.openxmlformats.org/officeDocument/2006/relationships" xmlns:p="http://schemas.openxmlformats.org/presentationml/2006/main">
+  <p:cSld>
+    <p:spTree>
+      <p:nvGrpSpPr>
+        <p:cNvPr id="1" name=""/>
+        <p:cNvGrpSpPr/>
+        <p:nvPr/>
+      </p:nvGrpSpPr>
+      <p:grpSpPr>
+        <a:xfrm>
+          <a:off x="0" y="0"/>
+          <a:ext cx="0" cy="0"/>
+          <a:chOff x="0" y="0"/>
+          <a:chExt cx="0" cy="0"/>
+        </a:xfrm>
+      </p:grpSpPr>
+      <p:pic>
+        <p:nvPicPr>
+          <p:cNvPr id="4" name="내용 개체 틀 3"/>
+          <p:cNvPicPr>
+            <a:picLocks noGrp="1" noChangeAspect="1"/>
+          </p:cNvPicPr>
+          <p:nvPr>
+            <p:ph idx="1"/>
+          </p:nvPr>
+        </p:nvPicPr>
+        <p:blipFill>
+          <a:blip r:embed="rId3" cstate="print">
+            <a:extLst>
+              <a:ext uri="{28A0092B-C50C-407E-A947-70E740481C1C}">
+                <a14:useLocalDpi xmlns:a14="http://schemas.microsoft.com/office/drawing/2010/main" val="0"/>
+              </a:ext>
+            </a:extLst>
+          </a:blip>
+          <a:stretch>
+            <a:fillRect/>
+          </a:stretch>
+        </p:blipFill>
+        <p:spPr>
+          <a:xfrm>
+            <a:off x="1103584" y="628803"/>
+            <a:ext cx="4638388" cy="3092259"/>
+          </a:xfrm>
+        </p:spPr>
+      </p:pic>
+      <p:pic>
+        <p:nvPicPr>
+          <p:cNvPr id="5" name="그림 4"/>
+          <p:cNvPicPr>
+            <a:picLocks noChangeAspect="1"/>
+          </p:cNvPicPr>
+          <p:nvPr/>
+        </p:nvPicPr>
+        <p:blipFill>
+          <a:blip r:embed="rId4" cstate="print">
+            <a:extLst>
+              <a:ext uri="{28A0092B-C50C-407E-A947-70E740481C1C}">
+                <a14:useLocalDpi xmlns:a14="http://schemas.microsoft.com/office/drawing/2010/main" val="0"/>
+              </a:ext>
+            </a:extLst>
+          </a:blip>
+          <a:stretch>
+            <a:fillRect/>
+          </a:stretch>
+        </p:blipFill>
+        <p:spPr>
+          <a:xfrm>
+            <a:off x="6167197" y="628803"/>
+            <a:ext cx="4638388" cy="3092258"/>
+          </a:xfrm>
+          <a:prstGeom prst="rect">
+            <a:avLst/>
+          </a:prstGeom>
+        </p:spPr>
+      </p:pic>
+      <p:pic>
+        <p:nvPicPr>
+          <p:cNvPr id="6" name="그림 5"/>
+          <p:cNvPicPr>
+            <a:picLocks noChangeAspect="1"/>
+          </p:cNvPicPr>
+          <p:nvPr/>
+        </p:nvPicPr>
+        <p:blipFill>
+          <a:blip r:embed="rId5" cstate="print">
+            <a:extLst>
+              <a:ext uri="{28A0092B-C50C-407E-A947-70E740481C1C}">
+                <a14:useLocalDpi xmlns:a14="http://schemas.microsoft.com/office/drawing/2010/main" val="0"/>
+              </a:ext>
+            </a:extLst>
+          </a:blip>
+          <a:stretch>
+            <a:fillRect/>
+          </a:stretch>
+        </p:blipFill>
+        <p:spPr>
+          <a:xfrm>
+            <a:off x="1103584" y="3982065"/>
+            <a:ext cx="4638388" cy="2652944"/>
+          </a:xfrm>
+          <a:prstGeom prst="rect">
+            <a:avLst/>
+          </a:prstGeom>
+        </p:spPr>
+      </p:pic>
+      <p:pic>
+        <p:nvPicPr>
+          <p:cNvPr id="9" name="그림 8"/>
+          <p:cNvPicPr>
+            <a:picLocks noChangeAspect="1"/>
+          </p:cNvPicPr>
+          <p:nvPr/>
+        </p:nvPicPr>
+        <p:blipFill>
+          <a:blip r:embed="rId6" cstate="print">
+            <a:extLst>
+              <a:ext uri="{28A0092B-C50C-407E-A947-70E740481C1C}">
+                <a14:useLocalDpi xmlns:a14="http://schemas.microsoft.com/office/drawing/2010/main" val="0"/>
+              </a:ext>
+            </a:extLst>
+          </a:blip>
+          <a:stretch>
+            <a:fillRect/>
+          </a:stretch>
+        </p:blipFill>
+        <p:spPr>
+          <a:xfrm>
+            <a:off x="6421197" y="3913874"/>
+            <a:ext cx="4081703" cy="2721135"/>
+          </a:xfrm>
+          <a:prstGeom prst="rect">
+            <a:avLst/>
+          </a:prstGeom>
+        </p:spPr>
+      </p:pic>
+    </p:spTree>
+    <p:extLst>
+      <p:ext uri="{BB962C8B-B14F-4D97-AF65-F5344CB8AC3E}">
+        <p14:creationId xmlns:p14="http://schemas.microsoft.com/office/powerpoint/2010/main" val="3464439489"/>
+      </p:ext>
+    </p:extLst>
+  </p:cSld>
+  <p:clrMapOvr>
+    <a:masterClrMapping/>
+  </p:clrMapOvr>
+</p:sld>
+</file>
+
 <file path=ppt/slides/slide2.xml><?xml version="1.0" encoding="utf-8"?>
 <p:sld xmlns:a="http://schemas.openxmlformats.org/drawingml/2006/main" xmlns:r="http://schemas.openxmlformats.org/officeDocument/2006/relationships" xmlns:p="http://schemas.openxmlformats.org/presentationml/2006/main">
   <p:cSld>
@@ -4770,7 +7150,7 @@
           <a:p>
             <a:r>
               <a:rPr lang="ko-KR" altLang="en-US" dirty="0" smtClean="0"/>
-              <a:t>이미지와 같이 작은 창을 조밀하게 </a:t>
+              <a:t>이미지와 같이 작은 창을 </a:t>
             </a:r>
             <a:r>
               <a:rPr lang="ko-KR" altLang="en-US" dirty="0" err="1" smtClean="0"/>
@@ -5647,7 +8027,7 @@
           <a:lstStyle/>
           <a:p>
             <a:r>
-              <a:rPr lang="en-US" altLang="ko-KR"/>
+              <a:rPr lang="en-US" altLang="ko-KR" dirty="0"/>
               <a:t>Detecting Text in Fine-scale Proposals</a:t>
             </a:r>
             <a:endParaRPr lang="ko-KR" altLang="en-US" dirty="0"/>
@@ -5836,6 +8216,131 @@
           <a:lstStyle/>
           <a:p>
             <a:r>
+              <a:rPr lang="en-US" altLang="ko-KR" dirty="0"/>
+              <a:t>Detecting Text in Fine-scale Proposals</a:t>
+            </a:r>
+            <a:endParaRPr lang="ko-KR" altLang="en-US" dirty="0"/>
+          </a:p>
+        </p:txBody>
+      </p:sp>
+      <p:sp>
+        <p:nvSpPr>
+          <p:cNvPr id="3" name="내용 개체 틀 2"/>
+          <p:cNvSpPr>
+            <a:spLocks noGrp="1"/>
+          </p:cNvSpPr>
+          <p:nvPr>
+            <p:ph idx="1"/>
+          </p:nvPr>
+        </p:nvSpPr>
+        <p:spPr/>
+        <p:txBody>
+          <a:bodyPr/>
+          <a:lstStyle/>
+          <a:p>
+            <a:r>
+              <a:rPr lang="ko-KR" altLang="en-US" dirty="0" smtClean="0"/>
+              <a:t>이러한 이유로 텍스트 박스의 좌표를 예측하는 것이 아닌</a:t>
+            </a:r>
+            <a:r>
+              <a:rPr lang="en-US" altLang="ko-KR" dirty="0" smtClean="0"/>
+              <a:t>,</a:t>
+            </a:r>
+            <a:r>
+              <a:rPr lang="ko-KR" altLang="en-US" dirty="0" smtClean="0"/>
+              <a:t> </a:t>
+            </a:r>
+            <a:r>
+              <a:rPr lang="en-US" altLang="ko-KR" dirty="0" smtClean="0"/>
+              <a:t/>
+            </a:r>
+            <a:br>
+              <a:rPr lang="en-US" altLang="ko-KR" dirty="0" smtClean="0"/>
+            </a:br>
+            <a:r>
+              <a:rPr lang="en-US" altLang="ko-KR" dirty="0" smtClean="0"/>
+              <a:t>text/non text score, </a:t>
+            </a:r>
+            <a:r>
+              <a:rPr lang="ko-KR" altLang="en-US" dirty="0" smtClean="0"/>
+              <a:t>각 앵커의</a:t>
+            </a:r>
+            <a:r>
+              <a:rPr lang="en-US" altLang="ko-KR" dirty="0" smtClean="0"/>
+              <a:t> y</a:t>
+            </a:r>
+            <a:r>
+              <a:rPr lang="ko-KR" altLang="en-US" dirty="0" smtClean="0"/>
+              <a:t>축 위치를 같이 예측하는 </a:t>
+            </a:r>
+            <a:r>
+              <a:rPr lang="en-US" altLang="ko-KR" dirty="0" smtClean="0"/>
+              <a:t/>
+            </a:r>
+            <a:br>
+              <a:rPr lang="en-US" altLang="ko-KR" dirty="0" smtClean="0"/>
+            </a:br>
+            <a:r>
+              <a:rPr lang="ko-KR" altLang="en-US" dirty="0" err="1" smtClean="0"/>
+              <a:t>매커니즘을</a:t>
+            </a:r>
+            <a:r>
+              <a:rPr lang="ko-KR" altLang="en-US" dirty="0" smtClean="0"/>
+              <a:t> 개발함</a:t>
+            </a:r>
+            <a:endParaRPr lang="en-US" altLang="ko-KR" dirty="0" smtClean="0"/>
+          </a:p>
+          <a:p>
+            <a:endParaRPr lang="en-US" altLang="ko-KR" dirty="0" smtClean="0"/>
+          </a:p>
+        </p:txBody>
+      </p:sp>
+    </p:spTree>
+    <p:extLst>
+      <p:ext uri="{BB962C8B-B14F-4D97-AF65-F5344CB8AC3E}">
+        <p14:creationId xmlns:p14="http://schemas.microsoft.com/office/powerpoint/2010/main" val="2483103191"/>
+      </p:ext>
+    </p:extLst>
+  </p:cSld>
+  <p:clrMapOvr>
+    <a:masterClrMapping/>
+  </p:clrMapOvr>
+</p:sld>
+</file>
+
+<file path=ppt/slides/slide8.xml><?xml version="1.0" encoding="utf-8"?>
+<p:sld xmlns:a="http://schemas.openxmlformats.org/drawingml/2006/main" xmlns:r="http://schemas.openxmlformats.org/officeDocument/2006/relationships" xmlns:p="http://schemas.openxmlformats.org/presentationml/2006/main">
+  <p:cSld>
+    <p:spTree>
+      <p:nvGrpSpPr>
+        <p:cNvPr id="1" name=""/>
+        <p:cNvGrpSpPr/>
+        <p:nvPr/>
+      </p:nvGrpSpPr>
+      <p:grpSpPr>
+        <a:xfrm>
+          <a:off x="0" y="0"/>
+          <a:ext cx="0" cy="0"/>
+          <a:chOff x="0" y="0"/>
+          <a:chExt cx="0" cy="0"/>
+        </a:xfrm>
+      </p:grpSpPr>
+      <p:sp>
+        <p:nvSpPr>
+          <p:cNvPr id="2" name="제목 1"/>
+          <p:cNvSpPr>
+            <a:spLocks noGrp="1"/>
+          </p:cNvSpPr>
+          <p:nvPr>
+            <p:ph type="title"/>
+          </p:nvPr>
+        </p:nvSpPr>
+        <p:spPr/>
+        <p:txBody>
+          <a:bodyPr/>
+          <a:lstStyle/>
+          <a:p>
+            <a:r>
               <a:rPr lang="en-US" altLang="ko-KR"/>
               <a:t>Detecting Text in Fine-scale Proposals</a:t>
             </a:r>
@@ -5893,109 +8398,6 @@
 </p:sld>
 </file>
 
-<file path=ppt/slides/slide8.xml><?xml version="1.0" encoding="utf-8"?>
-<p:sld xmlns:a="http://schemas.openxmlformats.org/drawingml/2006/main" xmlns:r="http://schemas.openxmlformats.org/officeDocument/2006/relationships" xmlns:p="http://schemas.openxmlformats.org/presentationml/2006/main">
-  <p:cSld>
-    <p:spTree>
-      <p:nvGrpSpPr>
-        <p:cNvPr id="1" name=""/>
-        <p:cNvGrpSpPr/>
-        <p:nvPr/>
-      </p:nvGrpSpPr>
-      <p:grpSpPr>
-        <a:xfrm>
-          <a:off x="0" y="0"/>
-          <a:ext cx="0" cy="0"/>
-          <a:chOff x="0" y="0"/>
-          <a:chExt cx="0" cy="0"/>
-        </a:xfrm>
-      </p:grpSpPr>
-      <p:sp>
-        <p:nvSpPr>
-          <p:cNvPr id="2" name="제목 1"/>
-          <p:cNvSpPr>
-            <a:spLocks noGrp="1"/>
-          </p:cNvSpPr>
-          <p:nvPr>
-            <p:ph type="title"/>
-          </p:nvPr>
-        </p:nvSpPr>
-        <p:spPr/>
-        <p:txBody>
-          <a:bodyPr/>
-          <a:lstStyle/>
-          <a:p>
-            <a:r>
-              <a:rPr lang="en-US" altLang="ko-KR"/>
-              <a:t>Detecting Text in Fine-scale Proposals</a:t>
-            </a:r>
-            <a:endParaRPr lang="ko-KR" altLang="en-US" dirty="0"/>
-          </a:p>
-        </p:txBody>
-      </p:sp>
-      <p:sp>
-        <p:nvSpPr>
-          <p:cNvPr id="3" name="내용 개체 틀 2"/>
-          <p:cNvSpPr>
-            <a:spLocks noGrp="1"/>
-          </p:cNvSpPr>
-          <p:nvPr>
-            <p:ph idx="1"/>
-          </p:nvPr>
-        </p:nvSpPr>
-        <p:spPr/>
-        <p:txBody>
-          <a:bodyPr/>
-          <a:lstStyle/>
-          <a:p>
-            <a:r>
-              <a:rPr lang="ko-KR" altLang="en-US" dirty="0" smtClean="0"/>
-              <a:t>해당 과정을 거쳐 입력</a:t>
-            </a:r>
-            <a:r>
-              <a:rPr lang="en-US" altLang="ko-KR" dirty="0" smtClean="0"/>
-              <a:t> </a:t>
-            </a:r>
-            <a:r>
-              <a:rPr lang="ko-KR" altLang="en-US" dirty="0" smtClean="0"/>
-              <a:t>이미지에서  크기가 </a:t>
-            </a:r>
-            <a:r>
-              <a:rPr lang="en-US" altLang="ko-KR" dirty="0" smtClean="0"/>
-              <a:t>h x 16</a:t>
-            </a:r>
-            <a:r>
-              <a:rPr lang="ko-KR" altLang="en-US" dirty="0" smtClean="0"/>
-              <a:t>인 박스를 나타내며</a:t>
-            </a:r>
-            <a:r>
-              <a:rPr lang="en-US" altLang="ko-KR" dirty="0" smtClean="0"/>
-              <a:t>, 228x228</a:t>
-            </a:r>
-            <a:r>
-              <a:rPr lang="ko-KR" altLang="en-US" dirty="0" smtClean="0"/>
-              <a:t>의 사이즈보다 작게 나오게 된다</a:t>
-            </a:r>
-            <a:r>
-              <a:rPr lang="en-US" altLang="ko-KR" dirty="0" smtClean="0"/>
-              <a:t>.</a:t>
-            </a:r>
-          </a:p>
-        </p:txBody>
-      </p:sp>
-    </p:spTree>
-    <p:extLst>
-      <p:ext uri="{BB962C8B-B14F-4D97-AF65-F5344CB8AC3E}">
-        <p14:creationId xmlns:p14="http://schemas.microsoft.com/office/powerpoint/2010/main" val="3017563476"/>
-      </p:ext>
-    </p:extLst>
-  </p:cSld>
-  <p:clrMapOvr>
-    <a:masterClrMapping/>
-  </p:clrMapOvr>
-</p:sld>
-</file>
-
 <file path=ppt/slides/slide9.xml><?xml version="1.0" encoding="utf-8"?>
 <p:sld xmlns:a="http://schemas.openxmlformats.org/drawingml/2006/main" xmlns:r="http://schemas.openxmlformats.org/officeDocument/2006/relationships" xmlns:p="http://schemas.openxmlformats.org/presentationml/2006/main">
   <p:cSld>
@@ -6036,39 +8438,60 @@
           </a:p>
         </p:txBody>
       </p:sp>
-      <p:pic>
-        <p:nvPicPr>
-          <p:cNvPr id="8" name="내용 개체 틀 7"/>
-          <p:cNvPicPr>
-            <a:picLocks noGrp="1" noChangeAspect="1"/>
-          </p:cNvPicPr>
+      <p:sp>
+        <p:nvSpPr>
+          <p:cNvPr id="3" name="내용 개체 틀 2"/>
+          <p:cNvSpPr>
+            <a:spLocks noGrp="1"/>
+          </p:cNvSpPr>
           <p:nvPr>
             <p:ph idx="1"/>
           </p:nvPr>
-        </p:nvPicPr>
-        <p:blipFill>
-          <a:blip r:embed="rId3">
-            <a:extLst>
-              <a:ext uri="{28A0092B-C50C-407E-A947-70E740481C1C}">
-                <a14:useLocalDpi xmlns:a14="http://schemas.microsoft.com/office/drawing/2010/main" val="0"/>
-              </a:ext>
-            </a:extLst>
-          </a:blip>
-          <a:stretch>
-            <a:fillRect/>
-          </a:stretch>
-        </p:blipFill>
-        <p:spPr>
-          <a:xfrm>
-            <a:off x="2851581" y="1825625"/>
-            <a:ext cx="6488837" cy="4351338"/>
-          </a:xfrm>
-        </p:spPr>
-      </p:pic>
+        </p:nvSpPr>
+        <p:spPr/>
+        <p:txBody>
+          <a:bodyPr/>
+          <a:lstStyle/>
+          <a:p>
+            <a:r>
+              <a:rPr lang="ko-KR" altLang="en-US" dirty="0" smtClean="0"/>
+              <a:t>해당 과정을 거쳐 입력</a:t>
+            </a:r>
+            <a:r>
+              <a:rPr lang="en-US" altLang="ko-KR" dirty="0" smtClean="0"/>
+              <a:t> </a:t>
+            </a:r>
+            <a:r>
+              <a:rPr lang="ko-KR" altLang="en-US" dirty="0" smtClean="0"/>
+              <a:t>이미지에서  크기가 </a:t>
+            </a:r>
+            <a:r>
+              <a:rPr lang="en-US" altLang="ko-KR" dirty="0" smtClean="0"/>
+              <a:t>h x 16</a:t>
+            </a:r>
+            <a:r>
+              <a:rPr lang="ko-KR" altLang="en-US" dirty="0" smtClean="0"/>
+              <a:t>인 박스를 나타내며</a:t>
+            </a:r>
+            <a:r>
+              <a:rPr lang="en-US" altLang="ko-KR" dirty="0" smtClean="0"/>
+              <a:t>, 228x228</a:t>
+            </a:r>
+            <a:r>
+              <a:rPr lang="ko-KR" altLang="en-US" dirty="0" smtClean="0"/>
+              <a:t>의 사이즈보다 작게 나오게 된다</a:t>
+            </a:r>
+            <a:r>
+              <a:rPr lang="en-US" altLang="ko-KR" dirty="0" smtClean="0"/>
+              <a:t>.</a:t>
+            </a:r>
+          </a:p>
+        </p:txBody>
+      </p:sp>
     </p:spTree>
     <p:extLst>
       <p:ext uri="{BB962C8B-B14F-4D97-AF65-F5344CB8AC3E}">
-        <p14:creationId xmlns:p14="http://schemas.microsoft.com/office/powerpoint/2010/main" val="18505815"/>
+        <p14:creationId xmlns:p14="http://schemas.microsoft.com/office/powerpoint/2010/main" val="3017563476"/>
       </p:ext>
     </p:extLst>
   </p:cSld>
